--- a/mid_poster/flow_chart_machine_learning.pptx
+++ b/mid_poster/flow_chart_machine_learning.pptx
@@ -105,6 +105,11 @@
       </a:defRPr>
     </a:lvl9pPr>
   </p:defaultTextStyle>
+  <p:extLst>
+    <p:ext uri="{EFAFB233-063F-42B5-8137-9DF3F51BA10A}">
+      <p15:sldGuideLst xmlns:p15="http://schemas.microsoft.com/office/powerpoint/2012/main"/>
+    </p:ext>
+  </p:extLst>
 </p:presentation>
 </file>
 
@@ -255,7 +260,7 @@
           <a:p>
             <a:fld id="{56AF85AD-C431-2C4A-B8C5-B71F79840C96}" type="datetimeFigureOut">
               <a:rPr kumimoji="1" lang="ja-JP" altLang="en-US" smtClean="0"/>
-              <a:t>2022/10/16</a:t>
+              <a:t>2022/10/18</a:t>
             </a:fld>
             <a:endParaRPr kumimoji="1" lang="ja-JP" altLang="en-US"/>
           </a:p>
@@ -485,7 +490,7 @@
           <a:p>
             <a:fld id="{56AF85AD-C431-2C4A-B8C5-B71F79840C96}" type="datetimeFigureOut">
               <a:rPr kumimoji="1" lang="ja-JP" altLang="en-US" smtClean="0"/>
-              <a:t>2022/10/16</a:t>
+              <a:t>2022/10/18</a:t>
             </a:fld>
             <a:endParaRPr kumimoji="1" lang="ja-JP" altLang="en-US"/>
           </a:p>
@@ -725,7 +730,7 @@
           <a:p>
             <a:fld id="{56AF85AD-C431-2C4A-B8C5-B71F79840C96}" type="datetimeFigureOut">
               <a:rPr kumimoji="1" lang="ja-JP" altLang="en-US" smtClean="0"/>
-              <a:t>2022/10/16</a:t>
+              <a:t>2022/10/18</a:t>
             </a:fld>
             <a:endParaRPr kumimoji="1" lang="ja-JP" altLang="en-US"/>
           </a:p>
@@ -955,7 +960,7 @@
           <a:p>
             <a:fld id="{56AF85AD-C431-2C4A-B8C5-B71F79840C96}" type="datetimeFigureOut">
               <a:rPr kumimoji="1" lang="ja-JP" altLang="en-US" smtClean="0"/>
-              <a:t>2022/10/16</a:t>
+              <a:t>2022/10/18</a:t>
             </a:fld>
             <a:endParaRPr kumimoji="1" lang="ja-JP" altLang="en-US"/>
           </a:p>
@@ -1230,7 +1235,7 @@
           <a:p>
             <a:fld id="{56AF85AD-C431-2C4A-B8C5-B71F79840C96}" type="datetimeFigureOut">
               <a:rPr kumimoji="1" lang="ja-JP" altLang="en-US" smtClean="0"/>
-              <a:t>2022/10/16</a:t>
+              <a:t>2022/10/18</a:t>
             </a:fld>
             <a:endParaRPr kumimoji="1" lang="ja-JP" altLang="en-US"/>
           </a:p>
@@ -1559,7 +1564,7 @@
           <a:p>
             <a:fld id="{56AF85AD-C431-2C4A-B8C5-B71F79840C96}" type="datetimeFigureOut">
               <a:rPr kumimoji="1" lang="ja-JP" altLang="en-US" smtClean="0"/>
-              <a:t>2022/10/16</a:t>
+              <a:t>2022/10/18</a:t>
             </a:fld>
             <a:endParaRPr kumimoji="1" lang="ja-JP" altLang="en-US"/>
           </a:p>
@@ -2035,7 +2040,7 @@
           <a:p>
             <a:fld id="{56AF85AD-C431-2C4A-B8C5-B71F79840C96}" type="datetimeFigureOut">
               <a:rPr kumimoji="1" lang="ja-JP" altLang="en-US" smtClean="0"/>
-              <a:t>2022/10/16</a:t>
+              <a:t>2022/10/18</a:t>
             </a:fld>
             <a:endParaRPr kumimoji="1" lang="ja-JP" altLang="en-US"/>
           </a:p>
@@ -2176,7 +2181,7 @@
           <a:p>
             <a:fld id="{56AF85AD-C431-2C4A-B8C5-B71F79840C96}" type="datetimeFigureOut">
               <a:rPr kumimoji="1" lang="ja-JP" altLang="en-US" smtClean="0"/>
-              <a:t>2022/10/16</a:t>
+              <a:t>2022/10/18</a:t>
             </a:fld>
             <a:endParaRPr kumimoji="1" lang="ja-JP" altLang="en-US"/>
           </a:p>
@@ -2289,7 +2294,7 @@
           <a:p>
             <a:fld id="{56AF85AD-C431-2C4A-B8C5-B71F79840C96}" type="datetimeFigureOut">
               <a:rPr kumimoji="1" lang="ja-JP" altLang="en-US" smtClean="0"/>
-              <a:t>2022/10/16</a:t>
+              <a:t>2022/10/18</a:t>
             </a:fld>
             <a:endParaRPr kumimoji="1" lang="ja-JP" altLang="en-US"/>
           </a:p>
@@ -2632,7 +2637,7 @@
           <a:p>
             <a:fld id="{56AF85AD-C431-2C4A-B8C5-B71F79840C96}" type="datetimeFigureOut">
               <a:rPr kumimoji="1" lang="ja-JP" altLang="en-US" smtClean="0"/>
-              <a:t>2022/10/16</a:t>
+              <a:t>2022/10/18</a:t>
             </a:fld>
             <a:endParaRPr kumimoji="1" lang="ja-JP" altLang="en-US"/>
           </a:p>
@@ -2920,7 +2925,7 @@
           <a:p>
             <a:fld id="{56AF85AD-C431-2C4A-B8C5-B71F79840C96}" type="datetimeFigureOut">
               <a:rPr kumimoji="1" lang="ja-JP" altLang="en-US" smtClean="0"/>
-              <a:t>2022/10/16</a:t>
+              <a:t>2022/10/18</a:t>
             </a:fld>
             <a:endParaRPr kumimoji="1" lang="ja-JP" altLang="en-US"/>
           </a:p>
@@ -3193,7 +3198,7 @@
           <a:p>
             <a:fld id="{56AF85AD-C431-2C4A-B8C5-B71F79840C96}" type="datetimeFigureOut">
               <a:rPr kumimoji="1" lang="ja-JP" altLang="en-US" smtClean="0"/>
-              <a:t>2022/10/16</a:t>
+              <a:t>2022/10/18</a:t>
             </a:fld>
             <a:endParaRPr kumimoji="1" lang="ja-JP" altLang="en-US"/>
           </a:p>
@@ -4139,87 +4144,6 @@
           </a:p>
         </p:txBody>
       </p:sp>
-      <p:sp>
-        <p:nvSpPr>
-          <p:cNvPr id="5" name="角丸四角形 4">
-            <a:extLst>
-              <a:ext uri="{FF2B5EF4-FFF2-40B4-BE49-F238E27FC236}">
-                <a16:creationId xmlns:a16="http://schemas.microsoft.com/office/drawing/2014/main" id="{78139366-AF9C-5474-663E-5BC661BBB220}"/>
-              </a:ext>
-            </a:extLst>
-          </p:cNvPr>
-          <p:cNvSpPr/>
-          <p:nvPr/>
-        </p:nvSpPr>
-        <p:spPr>
-          <a:xfrm>
-            <a:off x="5323115" y="2811553"/>
-            <a:ext cx="1545770" cy="1034142"/>
-          </a:xfrm>
-          <a:prstGeom prst="roundRect">
-            <a:avLst/>
-          </a:prstGeom>
-          <a:noFill/>
-          <a:ln>
-            <a:solidFill>
-              <a:srgbClr val="00B0F0"/>
-            </a:solidFill>
-          </a:ln>
-        </p:spPr>
-        <p:style>
-          <a:lnRef idx="2">
-            <a:schemeClr val="accent1">
-              <a:shade val="50000"/>
-            </a:schemeClr>
-          </a:lnRef>
-          <a:fillRef idx="1">
-            <a:schemeClr val="accent1"/>
-          </a:fillRef>
-          <a:effectRef idx="0">
-            <a:schemeClr val="accent1"/>
-          </a:effectRef>
-          <a:fontRef idx="minor">
-            <a:schemeClr val="lt1"/>
-          </a:fontRef>
-        </p:style>
-        <p:txBody>
-          <a:bodyPr rtlCol="0" anchor="ctr"/>
-          <a:lstStyle/>
-          <a:p>
-            <a:pPr algn="ctr"/>
-            <a:r>
-              <a:rPr kumimoji="1" lang="en-US" altLang="ja-JP" b="1" dirty="0">
-                <a:solidFill>
-                  <a:sysClr val="windowText" lastClr="000000"/>
-                </a:solidFill>
-                <a:latin typeface="Arial" panose="020B0604020202020204" pitchFamily="34" charset="0"/>
-                <a:cs typeface="Arial" panose="020B0604020202020204" pitchFamily="34" charset="0"/>
-              </a:rPr>
-              <a:t>Preprocess</a:t>
-            </a:r>
-          </a:p>
-          <a:p>
-            <a:pPr algn="ctr"/>
-            <a:r>
-              <a:rPr kumimoji="1" lang="en-US" altLang="ja-JP" b="1" dirty="0">
-                <a:solidFill>
-                  <a:sysClr val="windowText" lastClr="000000"/>
-                </a:solidFill>
-                <a:latin typeface="Arial" panose="020B0604020202020204" pitchFamily="34" charset="0"/>
-                <a:cs typeface="Arial" panose="020B0604020202020204" pitchFamily="34" charset="0"/>
-              </a:rPr>
-              <a:t>data</a:t>
-            </a:r>
-            <a:endParaRPr kumimoji="1" lang="ja-JP" altLang="en-US" b="1">
-              <a:solidFill>
-                <a:sysClr val="windowText" lastClr="000000"/>
-              </a:solidFill>
-              <a:latin typeface="Arial" panose="020B0604020202020204" pitchFamily="34" charset="0"/>
-              <a:cs typeface="Arial" panose="020B0604020202020204" pitchFamily="34" charset="0"/>
-            </a:endParaRPr>
-          </a:p>
-        </p:txBody>
-      </p:sp>
       <p:pic>
         <p:nvPicPr>
           <p:cNvPr id="7" name="図 6" descr="黒い背景に白い文字がある&#10;&#10;中程度の精度で自動的に生成された説明">
@@ -4279,12 +4203,104 @@
           </a:prstGeom>
         </p:spPr>
       </p:pic>
-      <p:sp>
-        <p:nvSpPr>
-          <p:cNvPr id="52" name="角丸四角形 51">
-            <a:extLst>
-              <a:ext uri="{FF2B5EF4-FFF2-40B4-BE49-F238E27FC236}">
-                <a16:creationId xmlns:a16="http://schemas.microsoft.com/office/drawing/2014/main" id="{71739B20-D1E2-F4D3-9F0E-806AB5324BF7}"/>
+      <p:cxnSp>
+        <p:nvCxnSpPr>
+          <p:cNvPr id="84" name="カギ線コネクタ 83">
+            <a:extLst>
+              <a:ext uri="{FF2B5EF4-FFF2-40B4-BE49-F238E27FC236}">
+                <a16:creationId xmlns:a16="http://schemas.microsoft.com/office/drawing/2014/main" id="{63D4D905-50B5-0E9A-4D58-2EF590E97218}"/>
+              </a:ext>
+            </a:extLst>
+          </p:cNvPr>
+          <p:cNvCxnSpPr>
+            <a:cxnSpLocks/>
+          </p:cNvCxnSpPr>
+          <p:nvPr/>
+        </p:nvCxnSpPr>
+        <p:spPr>
+          <a:xfrm>
+            <a:off x="4617778" y="2471449"/>
+            <a:ext cx="992719" cy="721477"/>
+          </a:xfrm>
+          <a:prstGeom prst="bentConnector3">
+            <a:avLst>
+              <a:gd name="adj1" fmla="val 35262"/>
+            </a:avLst>
+          </a:prstGeom>
+          <a:ln w="38100">
+            <a:solidFill>
+              <a:srgbClr val="00B0F0"/>
+            </a:solidFill>
+            <a:tailEnd type="triangle"/>
+          </a:ln>
+        </p:spPr>
+        <p:style>
+          <a:lnRef idx="1">
+            <a:schemeClr val="accent1"/>
+          </a:lnRef>
+          <a:fillRef idx="0">
+            <a:schemeClr val="accent1"/>
+          </a:fillRef>
+          <a:effectRef idx="0">
+            <a:schemeClr val="accent1"/>
+          </a:effectRef>
+          <a:fontRef idx="minor">
+            <a:schemeClr val="tx1"/>
+          </a:fontRef>
+        </p:style>
+      </p:cxnSp>
+      <p:cxnSp>
+        <p:nvCxnSpPr>
+          <p:cNvPr id="85" name="カギ線コネクタ 84">
+            <a:extLst>
+              <a:ext uri="{FF2B5EF4-FFF2-40B4-BE49-F238E27FC236}">
+                <a16:creationId xmlns:a16="http://schemas.microsoft.com/office/drawing/2014/main" id="{A6B2778F-852E-82C1-9AC8-4EBF70C5E16D}"/>
+              </a:ext>
+            </a:extLst>
+          </p:cNvPr>
+          <p:cNvCxnSpPr>
+            <a:cxnSpLocks/>
+          </p:cNvCxnSpPr>
+          <p:nvPr/>
+        </p:nvCxnSpPr>
+        <p:spPr>
+          <a:xfrm flipV="1">
+            <a:off x="4617778" y="3192926"/>
+            <a:ext cx="992719" cy="694066"/>
+          </a:xfrm>
+          <a:prstGeom prst="bentConnector3">
+            <a:avLst>
+              <a:gd name="adj1" fmla="val 35262"/>
+            </a:avLst>
+          </a:prstGeom>
+          <a:ln w="38100">
+            <a:solidFill>
+              <a:srgbClr val="00B0F0"/>
+            </a:solidFill>
+            <a:tailEnd type="triangle"/>
+          </a:ln>
+        </p:spPr>
+        <p:style>
+          <a:lnRef idx="1">
+            <a:schemeClr val="accent1"/>
+          </a:lnRef>
+          <a:fillRef idx="0">
+            <a:schemeClr val="accent1"/>
+          </a:fillRef>
+          <a:effectRef idx="0">
+            <a:schemeClr val="accent1"/>
+          </a:effectRef>
+          <a:fontRef idx="minor">
+            <a:schemeClr val="tx1"/>
+          </a:fontRef>
+        </p:style>
+      </p:cxnSp>
+      <p:sp>
+        <p:nvSpPr>
+          <p:cNvPr id="19" name="正方形/長方形 18">
+            <a:extLst>
+              <a:ext uri="{FF2B5EF4-FFF2-40B4-BE49-F238E27FC236}">
+                <a16:creationId xmlns:a16="http://schemas.microsoft.com/office/drawing/2014/main" id="{BAF31723-BBE2-5292-B7BC-23E04F003B9A}"/>
               </a:ext>
             </a:extLst>
           </p:cNvPr>
@@ -4293,14 +4309,14 @@
         </p:nvSpPr>
         <p:spPr>
           <a:xfrm>
-            <a:off x="7730621" y="2811553"/>
-            <a:ext cx="1545770" cy="1034142"/>
+            <a:off x="3207895" y="2182978"/>
+            <a:ext cx="1381791" cy="1968778"/>
           </a:xfrm>
-          <a:prstGeom prst="roundRect">
+          <a:prstGeom prst="rect">
             <a:avLst/>
           </a:prstGeom>
           <a:noFill/>
-          <a:ln>
+          <a:ln w="38100">
             <a:solidFill>
               <a:srgbClr val="00B0F0"/>
             </a:solidFill>
@@ -4328,35 +4344,29 @@
           <a:p>
             <a:pPr algn="ctr"/>
             <a:r>
-              <a:rPr kumimoji="1" lang="en-US" altLang="ja-JP" b="1" dirty="0">
+              <a:rPr kumimoji="1" lang="en-US" altLang="ja-JP" sz="1600" b="1" dirty="0">
                 <a:solidFill>
                   <a:sysClr val="windowText" lastClr="000000"/>
                 </a:solidFill>
                 <a:latin typeface="Arial" panose="020B0604020202020204" pitchFamily="34" charset="0"/>
                 <a:cs typeface="Arial" panose="020B0604020202020204" pitchFamily="34" charset="0"/>
               </a:rPr>
-              <a:t>Training</a:t>
-            </a:r>
-            <a:br>
-              <a:rPr kumimoji="1" lang="en-US" altLang="ja-JP" b="1" dirty="0">
+              <a:t>Preprocess</a:t>
+            </a:r>
+          </a:p>
+          <a:p>
+            <a:pPr algn="ctr"/>
+            <a:r>
+              <a:rPr lang="en-US" altLang="ja-JP" sz="1600" b="1" dirty="0">
                 <a:solidFill>
                   <a:sysClr val="windowText" lastClr="000000"/>
                 </a:solidFill>
                 <a:latin typeface="Arial" panose="020B0604020202020204" pitchFamily="34" charset="0"/>
                 <a:cs typeface="Arial" panose="020B0604020202020204" pitchFamily="34" charset="0"/>
               </a:rPr>
-            </a:br>
-            <a:r>
-              <a:rPr kumimoji="1" lang="en-US" altLang="ja-JP" b="1" dirty="0">
-                <a:solidFill>
-                  <a:sysClr val="windowText" lastClr="000000"/>
-                </a:solidFill>
-                <a:latin typeface="Arial" panose="020B0604020202020204" pitchFamily="34" charset="0"/>
-                <a:cs typeface="Arial" panose="020B0604020202020204" pitchFamily="34" charset="0"/>
-              </a:rPr>
-              <a:t>Pix2Pix</a:t>
-            </a:r>
-            <a:endParaRPr kumimoji="1" lang="ja-JP" altLang="en-US" b="1">
+              <a:t>data</a:t>
+            </a:r>
+            <a:endParaRPr kumimoji="1" lang="ja-JP" altLang="en-US" sz="1600" b="1">
               <a:solidFill>
                 <a:sysClr val="windowText" lastClr="000000"/>
               </a:solidFill>
@@ -4368,28 +4378,30 @@
       </p:sp>
       <p:cxnSp>
         <p:nvCxnSpPr>
-          <p:cNvPr id="54" name="直線矢印コネクタ 53">
-            <a:extLst>
-              <a:ext uri="{FF2B5EF4-FFF2-40B4-BE49-F238E27FC236}">
-                <a16:creationId xmlns:a16="http://schemas.microsoft.com/office/drawing/2014/main" id="{E59B14EE-9CF6-D96F-E753-3FAF1D81898D}"/>
+          <p:cNvPr id="22" name="直線矢印コネクタ 21">
+            <a:extLst>
+              <a:ext uri="{FF2B5EF4-FFF2-40B4-BE49-F238E27FC236}">
+                <a16:creationId xmlns:a16="http://schemas.microsoft.com/office/drawing/2014/main" id="{D12D274F-4FD0-52E6-2666-2D18890C4753}"/>
               </a:ext>
             </a:extLst>
           </p:cNvPr>
           <p:cNvCxnSpPr>
-            <a:stCxn id="5" idx="3"/>
-            <a:endCxn id="52" idx="1"/>
+            <a:stCxn id="17" idx="0"/>
           </p:cNvCxnSpPr>
           <p:nvPr/>
         </p:nvCxnSpPr>
         <p:spPr>
-          <a:xfrm>
-            <a:off x="6868885" y="3328624"/>
-            <a:ext cx="861736" cy="0"/>
+          <a:xfrm flipV="1">
+            <a:off x="2541789" y="2471449"/>
+            <a:ext cx="666106" cy="1"/>
           </a:xfrm>
           <a:prstGeom prst="straightConnector1">
             <a:avLst/>
           </a:prstGeom>
           <a:ln w="38100">
+            <a:solidFill>
+              <a:srgbClr val="00B0F0"/>
+            </a:solidFill>
             <a:tailEnd type="triangle"/>
           </a:ln>
         </p:spPr>
@@ -4410,10 +4422,10 @@
       </p:cxnSp>
       <p:cxnSp>
         <p:nvCxnSpPr>
-          <p:cNvPr id="59" name="直線矢印コネクタ 58">
-            <a:extLst>
-              <a:ext uri="{FF2B5EF4-FFF2-40B4-BE49-F238E27FC236}">
-                <a16:creationId xmlns:a16="http://schemas.microsoft.com/office/drawing/2014/main" id="{142E4A67-9399-D029-7292-043AFF354668}"/>
+          <p:cNvPr id="23" name="直線矢印コネクタ 22">
+            <a:extLst>
+              <a:ext uri="{FF2B5EF4-FFF2-40B4-BE49-F238E27FC236}">
+                <a16:creationId xmlns:a16="http://schemas.microsoft.com/office/drawing/2014/main" id="{BC4D818A-29A7-FE50-1542-56C9326FEFAD}"/>
               </a:ext>
             </a:extLst>
           </p:cNvPr>
@@ -4421,14 +4433,17 @@
           <p:nvPr/>
         </p:nvCxnSpPr>
         <p:spPr>
-          <a:xfrm>
-            <a:off x="9276391" y="3328624"/>
-            <a:ext cx="861736" cy="0"/>
+          <a:xfrm flipV="1">
+            <a:off x="2555213" y="3886992"/>
+            <a:ext cx="666106" cy="1"/>
           </a:xfrm>
           <a:prstGeom prst="straightConnector1">
             <a:avLst/>
           </a:prstGeom>
           <a:ln w="38100">
+            <a:solidFill>
+              <a:srgbClr val="00B0F0"/>
+            </a:solidFill>
             <a:tailEnd type="triangle"/>
           </a:ln>
         </p:spPr>
@@ -4449,10 +4464,10 @@
       </p:cxnSp>
       <p:sp>
         <p:nvSpPr>
-          <p:cNvPr id="65" name="角丸四角形 64">
-            <a:extLst>
-              <a:ext uri="{FF2B5EF4-FFF2-40B4-BE49-F238E27FC236}">
-                <a16:creationId xmlns:a16="http://schemas.microsoft.com/office/drawing/2014/main" id="{6B467CE8-EE33-90B3-17EA-1AF580F67AC4}"/>
+          <p:cNvPr id="26" name="正方形/長方形 25">
+            <a:extLst>
+              <a:ext uri="{FF2B5EF4-FFF2-40B4-BE49-F238E27FC236}">
+                <a16:creationId xmlns:a16="http://schemas.microsoft.com/office/drawing/2014/main" id="{7629FB36-6314-9CA1-6928-1F9E76EB1218}"/>
               </a:ext>
             </a:extLst>
           </p:cNvPr>
@@ -4461,14 +4476,14 @@
         </p:nvSpPr>
         <p:spPr>
           <a:xfrm>
-            <a:off x="10150060" y="2796960"/>
-            <a:ext cx="1545770" cy="1034142"/>
+            <a:off x="5611305" y="2759922"/>
+            <a:ext cx="1169233" cy="927144"/>
           </a:xfrm>
-          <a:prstGeom prst="roundRect">
+          <a:prstGeom prst="rect">
             <a:avLst/>
           </a:prstGeom>
           <a:noFill/>
-          <a:ln>
+          <a:ln w="38100">
             <a:solidFill>
               <a:srgbClr val="00B0F0"/>
             </a:solidFill>
@@ -4495,41 +4510,18 @@
           <a:lstStyle/>
           <a:p>
             <a:pPr algn="ctr"/>
-            <a:endParaRPr kumimoji="1" lang="en-US" altLang="ja-JP" b="1" dirty="0">
-              <a:solidFill>
-                <a:sysClr val="windowText" lastClr="000000"/>
-              </a:solidFill>
-              <a:latin typeface="Arial" panose="020B0604020202020204" pitchFamily="34" charset="0"/>
-              <a:cs typeface="Arial" panose="020B0604020202020204" pitchFamily="34" charset="0"/>
-            </a:endParaRPr>
-          </a:p>
-          <a:p>
-            <a:pPr algn="ctr"/>
-            <a:r>
-              <a:rPr kumimoji="1" lang="en-US" altLang="ja-JP" b="1" dirty="0">
+            <a:r>
+              <a:rPr lang="en-US" altLang="ja-JP" sz="1600" b="1" dirty="0">
                 <a:solidFill>
                   <a:sysClr val="windowText" lastClr="000000"/>
                 </a:solidFill>
                 <a:latin typeface="Arial" panose="020B0604020202020204" pitchFamily="34" charset="0"/>
                 <a:cs typeface="Arial" panose="020B0604020202020204" pitchFamily="34" charset="0"/>
               </a:rPr>
-              <a:t>Apply</a:t>
-            </a:r>
-          </a:p>
-          <a:p>
-            <a:pPr algn="ctr"/>
-            <a:r>
-              <a:rPr lang="en-US" altLang="ja-JP" b="1" dirty="0">
-                <a:solidFill>
-                  <a:sysClr val="windowText" lastClr="000000"/>
-                </a:solidFill>
-                <a:latin typeface="Arial" panose="020B0604020202020204" pitchFamily="34" charset="0"/>
-                <a:cs typeface="Arial" panose="020B0604020202020204" pitchFamily="34" charset="0"/>
-              </a:rPr>
-              <a:t>SFS</a:t>
+              <a:t>Training</a:t>
             </a:r>
             <a:br>
-              <a:rPr kumimoji="1" lang="en-US" altLang="ja-JP" b="1" dirty="0">
+              <a:rPr lang="en-US" altLang="ja-JP" sz="1600" b="1" dirty="0">
                 <a:solidFill>
                   <a:sysClr val="windowText" lastClr="000000"/>
                 </a:solidFill>
@@ -4537,7 +4529,17 @@
                 <a:cs typeface="Arial" panose="020B0604020202020204" pitchFamily="34" charset="0"/>
               </a:rPr>
             </a:br>
-            <a:endParaRPr kumimoji="1" lang="ja-JP" altLang="en-US" b="1">
+            <a:r>
+              <a:rPr lang="en-US" altLang="ja-JP" sz="1600" b="1" dirty="0">
+                <a:solidFill>
+                  <a:sysClr val="windowText" lastClr="000000"/>
+                </a:solidFill>
+                <a:latin typeface="Arial" panose="020B0604020202020204" pitchFamily="34" charset="0"/>
+                <a:cs typeface="Arial" panose="020B0604020202020204" pitchFamily="34" charset="0"/>
+              </a:rPr>
+              <a:t>Pix2Pix</a:t>
+            </a:r>
+            <a:endParaRPr kumimoji="1" lang="ja-JP" altLang="en-US" sz="1600" b="1">
               <a:solidFill>
                 <a:sysClr val="windowText" lastClr="000000"/>
               </a:solidFill>
@@ -4549,27 +4551,31 @@
       </p:sp>
       <p:cxnSp>
         <p:nvCxnSpPr>
-          <p:cNvPr id="67" name="直線矢印コネクタ 66">
-            <a:extLst>
-              <a:ext uri="{FF2B5EF4-FFF2-40B4-BE49-F238E27FC236}">
-                <a16:creationId xmlns:a16="http://schemas.microsoft.com/office/drawing/2014/main" id="{A275A5E5-A09E-5AB0-747C-CE6256FA11E4}"/>
+          <p:cNvPr id="27" name="直線矢印コネクタ 26">
+            <a:extLst>
+              <a:ext uri="{FF2B5EF4-FFF2-40B4-BE49-F238E27FC236}">
+                <a16:creationId xmlns:a16="http://schemas.microsoft.com/office/drawing/2014/main" id="{7276DE77-AC47-342B-2010-1204C129631A}"/>
               </a:ext>
             </a:extLst>
           </p:cNvPr>
           <p:cNvCxnSpPr>
             <a:cxnSpLocks/>
+            <a:stCxn id="26" idx="3"/>
           </p:cNvCxnSpPr>
           <p:nvPr/>
         </p:nvCxnSpPr>
         <p:spPr>
           <a:xfrm flipV="1">
-            <a:off x="11695830" y="3314031"/>
-            <a:ext cx="712129" cy="14593"/>
+            <a:off x="6780538" y="3210252"/>
+            <a:ext cx="714544" cy="13242"/>
           </a:xfrm>
           <a:prstGeom prst="straightConnector1">
             <a:avLst/>
           </a:prstGeom>
           <a:ln w="38100">
+            <a:solidFill>
+              <a:srgbClr val="00B0F0"/>
+            </a:solidFill>
             <a:tailEnd type="triangle"/>
           </a:ln>
         </p:spPr>
@@ -4590,10 +4596,62 @@
       </p:cxnSp>
       <p:sp>
         <p:nvSpPr>
-          <p:cNvPr id="69" name="テキスト ボックス 68">
-            <a:extLst>
-              <a:ext uri="{FF2B5EF4-FFF2-40B4-BE49-F238E27FC236}">
-                <a16:creationId xmlns:a16="http://schemas.microsoft.com/office/drawing/2014/main" id="{E50D96B4-6668-6ED0-A772-B920FD78F8AA}"/>
+          <p:cNvPr id="29" name="平行四辺形 28">
+            <a:extLst>
+              <a:ext uri="{FF2B5EF4-FFF2-40B4-BE49-F238E27FC236}">
+                <a16:creationId xmlns:a16="http://schemas.microsoft.com/office/drawing/2014/main" id="{8C27B939-2DE8-B8ED-FF33-260395540393}"/>
+              </a:ext>
+            </a:extLst>
+          </p:cNvPr>
+          <p:cNvSpPr/>
+          <p:nvPr/>
+        </p:nvSpPr>
+        <p:spPr>
+          <a:xfrm>
+            <a:off x="7389475" y="2582831"/>
+            <a:ext cx="1169232" cy="1304161"/>
+          </a:xfrm>
+          <a:prstGeom prst="parallelogram">
+            <a:avLst/>
+          </a:prstGeom>
+          <a:noFill/>
+          <a:ln w="38100">
+            <a:solidFill>
+              <a:srgbClr val="FF303C"/>
+            </a:solidFill>
+          </a:ln>
+        </p:spPr>
+        <p:style>
+          <a:lnRef idx="2">
+            <a:schemeClr val="accent1">
+              <a:shade val="50000"/>
+            </a:schemeClr>
+          </a:lnRef>
+          <a:fillRef idx="1">
+            <a:schemeClr val="accent1"/>
+          </a:fillRef>
+          <a:effectRef idx="0">
+            <a:schemeClr val="accent1"/>
+          </a:effectRef>
+          <a:fontRef idx="minor">
+            <a:schemeClr val="lt1"/>
+          </a:fontRef>
+        </p:style>
+        <p:txBody>
+          <a:bodyPr rtlCol="0" anchor="ctr"/>
+          <a:lstStyle/>
+          <a:p>
+            <a:pPr algn="ctr"/>
+            <a:endParaRPr kumimoji="1" lang="ja-JP" altLang="en-US"/>
+          </a:p>
+        </p:txBody>
+      </p:sp>
+      <p:sp>
+        <p:nvSpPr>
+          <p:cNvPr id="30" name="テキスト ボックス 29">
+            <a:extLst>
+              <a:ext uri="{FF2B5EF4-FFF2-40B4-BE49-F238E27FC236}">
+                <a16:creationId xmlns:a16="http://schemas.microsoft.com/office/drawing/2014/main" id="{7FC34568-71C0-41BC-FBEF-1F7D8BC06C56}"/>
               </a:ext>
             </a:extLst>
           </p:cNvPr>
@@ -4602,8 +4660,8 @@
         </p:nvSpPr>
         <p:spPr>
           <a:xfrm>
-            <a:off x="12595516" y="3192469"/>
-            <a:ext cx="1595309" cy="369332"/>
+            <a:off x="7531698" y="2931106"/>
+            <a:ext cx="971613" cy="584775"/>
           </a:xfrm>
           <a:prstGeom prst="rect">
             <a:avLst/>
@@ -4617,43 +4675,181 @@
           <a:lstStyle/>
           <a:p>
             <a:r>
-              <a:rPr kumimoji="1" lang="en-US" altLang="ja-JP" b="1" dirty="0">
+              <a:rPr kumimoji="1" lang="en-US" altLang="ja-JP" sz="1600" b="1" dirty="0">
                 <a:latin typeface="Arial" panose="020B0604020202020204" pitchFamily="34" charset="0"/>
                 <a:cs typeface="Arial" panose="020B0604020202020204" pitchFamily="34" charset="0"/>
               </a:rPr>
-              <a:t>Derived DTM</a:t>
-            </a:r>
-            <a:endParaRPr kumimoji="1" lang="ja-JP" altLang="en-US" b="1">
+              <a:t>Trained </a:t>
+            </a:r>
+          </a:p>
+          <a:p>
+            <a:r>
+              <a:rPr lang="en-US" altLang="ja-JP" sz="1600" b="1" dirty="0">
+                <a:latin typeface="Arial" panose="020B0604020202020204" pitchFamily="34" charset="0"/>
+                <a:cs typeface="Arial" panose="020B0604020202020204" pitchFamily="34" charset="0"/>
+              </a:rPr>
+              <a:t>Pix2Pix</a:t>
+            </a:r>
+            <a:endParaRPr kumimoji="1" lang="ja-JP" altLang="en-US" sz="1600" b="1">
               <a:latin typeface="Arial" panose="020B0604020202020204" pitchFamily="34" charset="0"/>
               <a:cs typeface="Arial" panose="020B0604020202020204" pitchFamily="34" charset="0"/>
             </a:endParaRPr>
           </a:p>
         </p:txBody>
       </p:sp>
+      <p:sp>
+        <p:nvSpPr>
+          <p:cNvPr id="31" name="テキスト ボックス 30">
+            <a:extLst>
+              <a:ext uri="{FF2B5EF4-FFF2-40B4-BE49-F238E27FC236}">
+                <a16:creationId xmlns:a16="http://schemas.microsoft.com/office/drawing/2014/main" id="{48AAB434-3B9B-1B39-8857-299F45F084AC}"/>
+              </a:ext>
+            </a:extLst>
+          </p:cNvPr>
+          <p:cNvSpPr txBox="1"/>
+          <p:nvPr/>
+        </p:nvSpPr>
+        <p:spPr>
+          <a:xfrm>
+            <a:off x="463556" y="3155507"/>
+            <a:ext cx="1570538" cy="338554"/>
+          </a:xfrm>
+          <a:prstGeom prst="rect">
+            <a:avLst/>
+          </a:prstGeom>
+          <a:noFill/>
+        </p:spPr>
+        <p:txBody>
+          <a:bodyPr wrap="square" rtlCol="0">
+            <a:spAutoFit/>
+          </a:bodyPr>
+          <a:lstStyle/>
+          <a:p>
+            <a:r>
+              <a:rPr kumimoji="1" lang="en-US" altLang="ja-JP" sz="1600" b="1" dirty="0">
+                <a:latin typeface="Arial" panose="020B0604020202020204" pitchFamily="34" charset="0"/>
+                <a:cs typeface="Arial" panose="020B0604020202020204" pitchFamily="34" charset="0"/>
+              </a:rPr>
+              <a:t>SLDEM 2015</a:t>
+            </a:r>
+            <a:endParaRPr kumimoji="1" lang="ja-JP" altLang="en-US" sz="1600" b="1">
+              <a:latin typeface="Arial" panose="020B0604020202020204" pitchFamily="34" charset="0"/>
+              <a:cs typeface="Arial" panose="020B0604020202020204" pitchFamily="34" charset="0"/>
+            </a:endParaRPr>
+          </a:p>
+        </p:txBody>
+      </p:sp>
+      <p:sp>
+        <p:nvSpPr>
+          <p:cNvPr id="32" name="テキスト ボックス 31">
+            <a:extLst>
+              <a:ext uri="{FF2B5EF4-FFF2-40B4-BE49-F238E27FC236}">
+                <a16:creationId xmlns:a16="http://schemas.microsoft.com/office/drawing/2014/main" id="{AD0C3A98-3249-F813-A959-24EEC9F88EEE}"/>
+              </a:ext>
+            </a:extLst>
+          </p:cNvPr>
+          <p:cNvSpPr txBox="1"/>
+          <p:nvPr/>
+        </p:nvSpPr>
+        <p:spPr>
+          <a:xfrm>
+            <a:off x="75767" y="4457013"/>
+            <a:ext cx="2554058" cy="338554"/>
+          </a:xfrm>
+          <a:prstGeom prst="rect">
+            <a:avLst/>
+          </a:prstGeom>
+          <a:noFill/>
+        </p:spPr>
+        <p:txBody>
+          <a:bodyPr wrap="square" rtlCol="0">
+            <a:spAutoFit/>
+          </a:bodyPr>
+          <a:lstStyle/>
+          <a:p>
+            <a:r>
+              <a:rPr lang="en-US" altLang="ja-JP" sz="1600" b="1" dirty="0">
+                <a:latin typeface="Arial" panose="020B0604020202020204" pitchFamily="34" charset="0"/>
+                <a:cs typeface="Arial" panose="020B0604020202020204" pitchFamily="34" charset="0"/>
+              </a:rPr>
+              <a:t>LRO NAC Orthoimage</a:t>
+            </a:r>
+            <a:endParaRPr kumimoji="1" lang="ja-JP" altLang="en-US" sz="1600" b="1">
+              <a:latin typeface="Arial" panose="020B0604020202020204" pitchFamily="34" charset="0"/>
+              <a:cs typeface="Arial" panose="020B0604020202020204" pitchFamily="34" charset="0"/>
+            </a:endParaRPr>
+          </a:p>
+        </p:txBody>
+      </p:sp>
+      <p:sp>
+        <p:nvSpPr>
+          <p:cNvPr id="33" name="テキスト ボックス 32">
+            <a:extLst>
+              <a:ext uri="{FF2B5EF4-FFF2-40B4-BE49-F238E27FC236}">
+                <a16:creationId xmlns:a16="http://schemas.microsoft.com/office/drawing/2014/main" id="{487EF9A5-2D3D-5D09-37DE-F89FF30CD15D}"/>
+              </a:ext>
+            </a:extLst>
+          </p:cNvPr>
+          <p:cNvSpPr txBox="1"/>
+          <p:nvPr/>
+        </p:nvSpPr>
+        <p:spPr>
+          <a:xfrm>
+            <a:off x="4949449" y="2765759"/>
+            <a:ext cx="773176" cy="349904"/>
+          </a:xfrm>
+          <a:prstGeom prst="rect">
+            <a:avLst/>
+          </a:prstGeom>
+          <a:noFill/>
+        </p:spPr>
+        <p:txBody>
+          <a:bodyPr wrap="square" rtlCol="0">
+            <a:spAutoFit/>
+          </a:bodyPr>
+          <a:lstStyle/>
+          <a:p>
+            <a:r>
+              <a:rPr kumimoji="1" lang="en-US" altLang="ja-JP" sz="1600" b="1" dirty="0">
+                <a:latin typeface="Arial" panose="020B0604020202020204" pitchFamily="34" charset="0"/>
+                <a:cs typeface="Arial" panose="020B0604020202020204" pitchFamily="34" charset="0"/>
+              </a:rPr>
+              <a:t>input</a:t>
+            </a:r>
+            <a:endParaRPr kumimoji="1" lang="ja-JP" altLang="en-US" sz="1600" b="1">
+              <a:latin typeface="Arial" panose="020B0604020202020204" pitchFamily="34" charset="0"/>
+              <a:cs typeface="Arial" panose="020B0604020202020204" pitchFamily="34" charset="0"/>
+            </a:endParaRPr>
+          </a:p>
+        </p:txBody>
+      </p:sp>
       <p:cxnSp>
         <p:nvCxnSpPr>
-          <p:cNvPr id="84" name="カギ線コネクタ 83">
-            <a:extLst>
-              <a:ext uri="{FF2B5EF4-FFF2-40B4-BE49-F238E27FC236}">
-                <a16:creationId xmlns:a16="http://schemas.microsoft.com/office/drawing/2014/main" id="{63D4D905-50B5-0E9A-4D58-2EF590E97218}"/>
+          <p:cNvPr id="42" name="カギ線コネクタ 41">
+            <a:extLst>
+              <a:ext uri="{FF2B5EF4-FFF2-40B4-BE49-F238E27FC236}">
+                <a16:creationId xmlns:a16="http://schemas.microsoft.com/office/drawing/2014/main" id="{8C818CC6-5788-49F4-2DD2-ABC83E8FC298}"/>
               </a:ext>
             </a:extLst>
           </p:cNvPr>
           <p:cNvCxnSpPr>
-            <a:stCxn id="17" idx="0"/>
-            <a:endCxn id="5" idx="1"/>
+            <a:cxnSpLocks/>
+            <a:endCxn id="29" idx="3"/>
           </p:cNvCxnSpPr>
           <p:nvPr/>
         </p:nvCxnSpPr>
         <p:spPr>
-          <a:xfrm>
-            <a:off x="2541789" y="2471450"/>
-            <a:ext cx="2781326" cy="857174"/>
+          <a:xfrm flipV="1">
+            <a:off x="1205903" y="3886992"/>
+            <a:ext cx="6622034" cy="1045116"/>
           </a:xfrm>
-          <a:prstGeom prst="bentConnector3">
+          <a:prstGeom prst="bentConnector2">
             <a:avLst/>
           </a:prstGeom>
           <a:ln w="38100">
+            <a:solidFill>
+              <a:srgbClr val="00B0F0"/>
+            </a:solidFill>
             <a:tailEnd type="triangle"/>
           </a:ln>
         </p:spPr>
@@ -4674,31 +4870,115 @@
       </p:cxnSp>
       <p:cxnSp>
         <p:nvCxnSpPr>
-          <p:cNvPr id="85" name="カギ線コネクタ 84">
-            <a:extLst>
-              <a:ext uri="{FF2B5EF4-FFF2-40B4-BE49-F238E27FC236}">
-                <a16:creationId xmlns:a16="http://schemas.microsoft.com/office/drawing/2014/main" id="{A6B2778F-852E-82C1-9AC8-4EBF70C5E16D}"/>
+          <p:cNvPr id="50" name="直線コネクタ 49">
+            <a:extLst>
+              <a:ext uri="{FF2B5EF4-FFF2-40B4-BE49-F238E27FC236}">
+                <a16:creationId xmlns:a16="http://schemas.microsoft.com/office/drawing/2014/main" id="{51890713-6ACF-AD7C-03A1-246D899C9B7E}"/>
               </a:ext>
             </a:extLst>
           </p:cNvPr>
           <p:cNvCxnSpPr>
             <a:cxnSpLocks/>
-            <a:stCxn id="25" idx="0"/>
-            <a:endCxn id="5" idx="1"/>
           </p:cNvCxnSpPr>
           <p:nvPr/>
         </p:nvCxnSpPr>
         <p:spPr>
-          <a:xfrm flipV="1">
-            <a:off x="2541789" y="3328624"/>
-            <a:ext cx="2781326" cy="558369"/>
+          <a:xfrm>
+            <a:off x="1204561" y="4815254"/>
+            <a:ext cx="0" cy="136541"/>
           </a:xfrm>
-          <a:prstGeom prst="bentConnector3">
-            <a:avLst>
-              <a:gd name="adj1" fmla="val 50000"/>
-            </a:avLst>
+          <a:prstGeom prst="line">
+            <a:avLst/>
           </a:prstGeom>
           <a:ln w="38100">
+            <a:solidFill>
+              <a:srgbClr val="00B0F0"/>
+            </a:solidFill>
+          </a:ln>
+        </p:spPr>
+        <p:style>
+          <a:lnRef idx="1">
+            <a:schemeClr val="accent1"/>
+          </a:lnRef>
+          <a:fillRef idx="0">
+            <a:schemeClr val="accent1"/>
+          </a:fillRef>
+          <a:effectRef idx="0">
+            <a:schemeClr val="accent1"/>
+          </a:effectRef>
+          <a:fontRef idx="minor">
+            <a:schemeClr val="tx1"/>
+          </a:fontRef>
+        </p:style>
+      </p:cxnSp>
+      <p:sp>
+        <p:nvSpPr>
+          <p:cNvPr id="60" name="テキスト ボックス 59">
+            <a:extLst>
+              <a:ext uri="{FF2B5EF4-FFF2-40B4-BE49-F238E27FC236}">
+                <a16:creationId xmlns:a16="http://schemas.microsoft.com/office/drawing/2014/main" id="{9A650EC0-01FC-5C58-1FF4-DB859A34A647}"/>
+              </a:ext>
+            </a:extLst>
+          </p:cNvPr>
+          <p:cNvSpPr txBox="1"/>
+          <p:nvPr/>
+        </p:nvSpPr>
+        <p:spPr>
+          <a:xfrm>
+            <a:off x="4203098" y="4640302"/>
+            <a:ext cx="773176" cy="349904"/>
+          </a:xfrm>
+          <a:prstGeom prst="rect">
+            <a:avLst/>
+          </a:prstGeom>
+          <a:noFill/>
+        </p:spPr>
+        <p:txBody>
+          <a:bodyPr wrap="square" rtlCol="0">
+            <a:spAutoFit/>
+          </a:bodyPr>
+          <a:lstStyle/>
+          <a:p>
+            <a:r>
+              <a:rPr kumimoji="1" lang="en-US" altLang="ja-JP" sz="1600" b="1" dirty="0">
+                <a:latin typeface="Arial" panose="020B0604020202020204" pitchFamily="34" charset="0"/>
+                <a:cs typeface="Arial" panose="020B0604020202020204" pitchFamily="34" charset="0"/>
+              </a:rPr>
+              <a:t>input</a:t>
+            </a:r>
+            <a:endParaRPr kumimoji="1" lang="ja-JP" altLang="en-US" sz="1600" b="1">
+              <a:latin typeface="Arial" panose="020B0604020202020204" pitchFamily="34" charset="0"/>
+              <a:cs typeface="Arial" panose="020B0604020202020204" pitchFamily="34" charset="0"/>
+            </a:endParaRPr>
+          </a:p>
+        </p:txBody>
+      </p:sp>
+      <p:cxnSp>
+        <p:nvCxnSpPr>
+          <p:cNvPr id="61" name="直線矢印コネクタ 60">
+            <a:extLst>
+              <a:ext uri="{FF2B5EF4-FFF2-40B4-BE49-F238E27FC236}">
+                <a16:creationId xmlns:a16="http://schemas.microsoft.com/office/drawing/2014/main" id="{C1B1EC23-3BA4-4331-5CDB-0055D79B80DA}"/>
+              </a:ext>
+            </a:extLst>
+          </p:cNvPr>
+          <p:cNvCxnSpPr>
+            <a:cxnSpLocks/>
+          </p:cNvCxnSpPr>
+          <p:nvPr/>
+        </p:nvCxnSpPr>
+        <p:spPr>
+          <a:xfrm>
+            <a:off x="8480706" y="3252311"/>
+            <a:ext cx="868777" cy="0"/>
+          </a:xfrm>
+          <a:prstGeom prst="straightConnector1">
+            <a:avLst/>
+          </a:prstGeom>
+          <a:ln w="38100">
+            <a:solidFill>
+              <a:srgbClr val="00B0F0"/>
+            </a:solidFill>
             <a:tailEnd type="triangle"/>
           </a:ln>
         </p:spPr>
@@ -4717,6 +4997,460 @@
           </a:fontRef>
         </p:style>
       </p:cxnSp>
+      <p:sp>
+        <p:nvSpPr>
+          <p:cNvPr id="68" name="テキスト ボックス 67">
+            <a:extLst>
+              <a:ext uri="{FF2B5EF4-FFF2-40B4-BE49-F238E27FC236}">
+                <a16:creationId xmlns:a16="http://schemas.microsoft.com/office/drawing/2014/main" id="{6080C61F-2976-BAE8-8113-C96E5305CEE9}"/>
+              </a:ext>
+            </a:extLst>
+          </p:cNvPr>
+          <p:cNvSpPr txBox="1"/>
+          <p:nvPr/>
+        </p:nvSpPr>
+        <p:spPr>
+          <a:xfrm>
+            <a:off x="8476727" y="2825040"/>
+            <a:ext cx="872756" cy="338554"/>
+          </a:xfrm>
+          <a:prstGeom prst="rect">
+            <a:avLst/>
+          </a:prstGeom>
+          <a:noFill/>
+        </p:spPr>
+        <p:txBody>
+          <a:bodyPr wrap="square" rtlCol="0">
+            <a:spAutoFit/>
+          </a:bodyPr>
+          <a:lstStyle/>
+          <a:p>
+            <a:r>
+              <a:rPr kumimoji="1" lang="en-US" altLang="ja-JP" sz="1600" b="1" dirty="0">
+                <a:latin typeface="Arial" panose="020B0604020202020204" pitchFamily="34" charset="0"/>
+                <a:cs typeface="Arial" panose="020B0604020202020204" pitchFamily="34" charset="0"/>
+              </a:rPr>
+              <a:t>output</a:t>
+            </a:r>
+            <a:endParaRPr kumimoji="1" lang="ja-JP" altLang="en-US" sz="1600" b="1">
+              <a:latin typeface="Arial" panose="020B0604020202020204" pitchFamily="34" charset="0"/>
+              <a:cs typeface="Arial" panose="020B0604020202020204" pitchFamily="34" charset="0"/>
+            </a:endParaRPr>
+          </a:p>
+        </p:txBody>
+      </p:sp>
+      <p:sp>
+        <p:nvSpPr>
+          <p:cNvPr id="71" name="平行四辺形 70">
+            <a:extLst>
+              <a:ext uri="{FF2B5EF4-FFF2-40B4-BE49-F238E27FC236}">
+                <a16:creationId xmlns:a16="http://schemas.microsoft.com/office/drawing/2014/main" id="{E1B20041-BBA6-6609-6B1D-D5F3551752EC}"/>
+              </a:ext>
+            </a:extLst>
+          </p:cNvPr>
+          <p:cNvSpPr/>
+          <p:nvPr/>
+        </p:nvSpPr>
+        <p:spPr>
+          <a:xfrm>
+            <a:off x="9267503" y="2951873"/>
+            <a:ext cx="1169232" cy="742534"/>
+          </a:xfrm>
+          <a:prstGeom prst="parallelogram">
+            <a:avLst/>
+          </a:prstGeom>
+          <a:noFill/>
+          <a:ln w="38100">
+            <a:solidFill>
+              <a:srgbClr val="FF303C"/>
+            </a:solidFill>
+          </a:ln>
+        </p:spPr>
+        <p:style>
+          <a:lnRef idx="2">
+            <a:schemeClr val="accent1">
+              <a:shade val="50000"/>
+            </a:schemeClr>
+          </a:lnRef>
+          <a:fillRef idx="1">
+            <a:schemeClr val="accent1"/>
+          </a:fillRef>
+          <a:effectRef idx="0">
+            <a:schemeClr val="accent1"/>
+          </a:effectRef>
+          <a:fontRef idx="minor">
+            <a:schemeClr val="lt1"/>
+          </a:fontRef>
+        </p:style>
+        <p:txBody>
+          <a:bodyPr rtlCol="0" anchor="ctr"/>
+          <a:lstStyle/>
+          <a:p>
+            <a:pPr algn="ctr"/>
+            <a:endParaRPr kumimoji="1" lang="ja-JP" altLang="en-US"/>
+          </a:p>
+        </p:txBody>
+      </p:sp>
+      <p:sp>
+        <p:nvSpPr>
+          <p:cNvPr id="72" name="テキスト ボックス 71">
+            <a:extLst>
+              <a:ext uri="{FF2B5EF4-FFF2-40B4-BE49-F238E27FC236}">
+                <a16:creationId xmlns:a16="http://schemas.microsoft.com/office/drawing/2014/main" id="{586D9D31-2ADE-313E-79BD-97BEBCB6EF2F}"/>
+              </a:ext>
+            </a:extLst>
+          </p:cNvPr>
+          <p:cNvSpPr txBox="1"/>
+          <p:nvPr/>
+        </p:nvSpPr>
+        <p:spPr>
+          <a:xfrm>
+            <a:off x="9537770" y="3147033"/>
+            <a:ext cx="628698" cy="338554"/>
+          </a:xfrm>
+          <a:prstGeom prst="rect">
+            <a:avLst/>
+          </a:prstGeom>
+          <a:noFill/>
+        </p:spPr>
+        <p:txBody>
+          <a:bodyPr wrap="none" rtlCol="0">
+            <a:spAutoFit/>
+          </a:bodyPr>
+          <a:lstStyle/>
+          <a:p>
+            <a:r>
+              <a:rPr kumimoji="1" lang="en-US" altLang="ja-JP" sz="1600" b="1" dirty="0">
+                <a:latin typeface="Arial" panose="020B0604020202020204" pitchFamily="34" charset="0"/>
+                <a:cs typeface="Arial" panose="020B0604020202020204" pitchFamily="34" charset="0"/>
+              </a:rPr>
+              <a:t>DTM</a:t>
+            </a:r>
+            <a:endParaRPr kumimoji="1" lang="ja-JP" altLang="en-US" sz="1600" b="1">
+              <a:latin typeface="Arial" panose="020B0604020202020204" pitchFamily="34" charset="0"/>
+              <a:cs typeface="Arial" panose="020B0604020202020204" pitchFamily="34" charset="0"/>
+            </a:endParaRPr>
+          </a:p>
+        </p:txBody>
+      </p:sp>
+      <p:cxnSp>
+        <p:nvCxnSpPr>
+          <p:cNvPr id="73" name="直線矢印コネクタ 72">
+            <a:extLst>
+              <a:ext uri="{FF2B5EF4-FFF2-40B4-BE49-F238E27FC236}">
+                <a16:creationId xmlns:a16="http://schemas.microsoft.com/office/drawing/2014/main" id="{16C7596A-8DEE-1759-BEBB-38B3F9473C6B}"/>
+              </a:ext>
+            </a:extLst>
+          </p:cNvPr>
+          <p:cNvCxnSpPr>
+            <a:cxnSpLocks/>
+          </p:cNvCxnSpPr>
+          <p:nvPr/>
+        </p:nvCxnSpPr>
+        <p:spPr>
+          <a:xfrm>
+            <a:off x="9829272" y="3704845"/>
+            <a:ext cx="0" cy="364294"/>
+          </a:xfrm>
+          <a:prstGeom prst="straightConnector1">
+            <a:avLst/>
+          </a:prstGeom>
+          <a:ln w="38100">
+            <a:solidFill>
+              <a:srgbClr val="00B0F0"/>
+            </a:solidFill>
+            <a:tailEnd type="triangle"/>
+          </a:ln>
+        </p:spPr>
+        <p:style>
+          <a:lnRef idx="1">
+            <a:schemeClr val="accent1"/>
+          </a:lnRef>
+          <a:fillRef idx="0">
+            <a:schemeClr val="accent1"/>
+          </a:fillRef>
+          <a:effectRef idx="0">
+            <a:schemeClr val="accent1"/>
+          </a:effectRef>
+          <a:fontRef idx="minor">
+            <a:schemeClr val="tx1"/>
+          </a:fontRef>
+        </p:style>
+      </p:cxnSp>
+      <p:sp>
+        <p:nvSpPr>
+          <p:cNvPr id="79" name="正方形/長方形 78">
+            <a:extLst>
+              <a:ext uri="{FF2B5EF4-FFF2-40B4-BE49-F238E27FC236}">
+                <a16:creationId xmlns:a16="http://schemas.microsoft.com/office/drawing/2014/main" id="{C456D3CB-2DEA-8F69-D444-A0B69EE90F4E}"/>
+              </a:ext>
+            </a:extLst>
+          </p:cNvPr>
+          <p:cNvSpPr/>
+          <p:nvPr/>
+        </p:nvSpPr>
+        <p:spPr>
+          <a:xfrm>
+            <a:off x="9026416" y="4058701"/>
+            <a:ext cx="1429250" cy="927144"/>
+          </a:xfrm>
+          <a:prstGeom prst="rect">
+            <a:avLst/>
+          </a:prstGeom>
+          <a:noFill/>
+          <a:ln w="38100">
+            <a:solidFill>
+              <a:srgbClr val="00B0F0"/>
+            </a:solidFill>
+          </a:ln>
+        </p:spPr>
+        <p:style>
+          <a:lnRef idx="2">
+            <a:schemeClr val="accent1">
+              <a:shade val="50000"/>
+            </a:schemeClr>
+          </a:lnRef>
+          <a:fillRef idx="1">
+            <a:schemeClr val="accent1"/>
+          </a:fillRef>
+          <a:effectRef idx="0">
+            <a:schemeClr val="accent1"/>
+          </a:effectRef>
+          <a:fontRef idx="minor">
+            <a:schemeClr val="lt1"/>
+          </a:fontRef>
+        </p:style>
+        <p:txBody>
+          <a:bodyPr rtlCol="0" anchor="ctr"/>
+          <a:lstStyle/>
+          <a:p>
+            <a:pPr algn="ctr"/>
+            <a:r>
+              <a:rPr lang="en-US" altLang="ja-JP" sz="1600" b="1" dirty="0">
+                <a:solidFill>
+                  <a:sysClr val="windowText" lastClr="000000"/>
+                </a:solidFill>
+                <a:latin typeface="Arial" panose="020B0604020202020204" pitchFamily="34" charset="0"/>
+                <a:cs typeface="Arial" panose="020B0604020202020204" pitchFamily="34" charset="0"/>
+              </a:rPr>
+              <a:t>Apply</a:t>
+            </a:r>
+          </a:p>
+          <a:p>
+            <a:pPr algn="ctr"/>
+            <a:r>
+              <a:rPr kumimoji="1" lang="en-US" altLang="ja-JP" sz="1600" b="1" dirty="0">
+                <a:solidFill>
+                  <a:sysClr val="windowText" lastClr="000000"/>
+                </a:solidFill>
+                <a:latin typeface="Arial" panose="020B0604020202020204" pitchFamily="34" charset="0"/>
+                <a:cs typeface="Arial" panose="020B0604020202020204" pitchFamily="34" charset="0"/>
+              </a:rPr>
+              <a:t>SFS to DTM</a:t>
+            </a:r>
+            <a:endParaRPr kumimoji="1" lang="ja-JP" altLang="en-US" sz="1600" b="1">
+              <a:solidFill>
+                <a:sysClr val="windowText" lastClr="000000"/>
+              </a:solidFill>
+              <a:latin typeface="Arial" panose="020B0604020202020204" pitchFamily="34" charset="0"/>
+              <a:cs typeface="Arial" panose="020B0604020202020204" pitchFamily="34" charset="0"/>
+            </a:endParaRPr>
+          </a:p>
+        </p:txBody>
+      </p:sp>
+      <p:cxnSp>
+        <p:nvCxnSpPr>
+          <p:cNvPr id="80" name="直線矢印コネクタ 79">
+            <a:extLst>
+              <a:ext uri="{FF2B5EF4-FFF2-40B4-BE49-F238E27FC236}">
+                <a16:creationId xmlns:a16="http://schemas.microsoft.com/office/drawing/2014/main" id="{90360B8D-BE8F-8D94-0AF3-6A8057544E26}"/>
+              </a:ext>
+            </a:extLst>
+          </p:cNvPr>
+          <p:cNvCxnSpPr>
+            <a:cxnSpLocks/>
+          </p:cNvCxnSpPr>
+          <p:nvPr/>
+        </p:nvCxnSpPr>
+        <p:spPr>
+          <a:xfrm>
+            <a:off x="10455666" y="4457013"/>
+            <a:ext cx="785725" cy="0"/>
+          </a:xfrm>
+          <a:prstGeom prst="straightConnector1">
+            <a:avLst/>
+          </a:prstGeom>
+          <a:ln w="38100">
+            <a:solidFill>
+              <a:srgbClr val="00B0F0"/>
+            </a:solidFill>
+            <a:tailEnd type="triangle"/>
+          </a:ln>
+        </p:spPr>
+        <p:style>
+          <a:lnRef idx="1">
+            <a:schemeClr val="accent1"/>
+          </a:lnRef>
+          <a:fillRef idx="0">
+            <a:schemeClr val="accent1"/>
+          </a:fillRef>
+          <a:effectRef idx="0">
+            <a:schemeClr val="accent1"/>
+          </a:effectRef>
+          <a:fontRef idx="minor">
+            <a:schemeClr val="tx1"/>
+          </a:fontRef>
+        </p:style>
+      </p:cxnSp>
+      <p:sp>
+        <p:nvSpPr>
+          <p:cNvPr id="82" name="テキスト ボックス 81">
+            <a:extLst>
+              <a:ext uri="{FF2B5EF4-FFF2-40B4-BE49-F238E27FC236}">
+                <a16:creationId xmlns:a16="http://schemas.microsoft.com/office/drawing/2014/main" id="{FD769570-E42D-F4EE-430A-65A9C1EAB085}"/>
+              </a:ext>
+            </a:extLst>
+          </p:cNvPr>
+          <p:cNvSpPr txBox="1"/>
+          <p:nvPr/>
+        </p:nvSpPr>
+        <p:spPr>
+          <a:xfrm>
+            <a:off x="10412151" y="4105589"/>
+            <a:ext cx="872756" cy="338554"/>
+          </a:xfrm>
+          <a:prstGeom prst="rect">
+            <a:avLst/>
+          </a:prstGeom>
+          <a:noFill/>
+        </p:spPr>
+        <p:txBody>
+          <a:bodyPr wrap="square" rtlCol="0">
+            <a:spAutoFit/>
+          </a:bodyPr>
+          <a:lstStyle/>
+          <a:p>
+            <a:r>
+              <a:rPr kumimoji="1" lang="en-US" altLang="ja-JP" sz="1600" b="1" dirty="0">
+                <a:latin typeface="Arial" panose="020B0604020202020204" pitchFamily="34" charset="0"/>
+                <a:cs typeface="Arial" panose="020B0604020202020204" pitchFamily="34" charset="0"/>
+              </a:rPr>
+              <a:t>output</a:t>
+            </a:r>
+            <a:endParaRPr kumimoji="1" lang="ja-JP" altLang="en-US" sz="1600" b="1">
+              <a:latin typeface="Arial" panose="020B0604020202020204" pitchFamily="34" charset="0"/>
+              <a:cs typeface="Arial" panose="020B0604020202020204" pitchFamily="34" charset="0"/>
+            </a:endParaRPr>
+          </a:p>
+        </p:txBody>
+      </p:sp>
+      <p:sp>
+        <p:nvSpPr>
+          <p:cNvPr id="86" name="平行四辺形 85">
+            <a:extLst>
+              <a:ext uri="{FF2B5EF4-FFF2-40B4-BE49-F238E27FC236}">
+                <a16:creationId xmlns:a16="http://schemas.microsoft.com/office/drawing/2014/main" id="{E75DFDD5-BEE7-B7B9-1B97-4DC465705366}"/>
+              </a:ext>
+            </a:extLst>
+          </p:cNvPr>
+          <p:cNvSpPr/>
+          <p:nvPr/>
+        </p:nvSpPr>
+        <p:spPr>
+          <a:xfrm>
+            <a:off x="11172252" y="4105589"/>
+            <a:ext cx="975479" cy="718076"/>
+          </a:xfrm>
+          <a:prstGeom prst="parallelogram">
+            <a:avLst/>
+          </a:prstGeom>
+          <a:noFill/>
+          <a:ln w="38100">
+            <a:solidFill>
+              <a:srgbClr val="FF303C"/>
+            </a:solidFill>
+          </a:ln>
+        </p:spPr>
+        <p:style>
+          <a:lnRef idx="2">
+            <a:schemeClr val="accent1">
+              <a:shade val="50000"/>
+            </a:schemeClr>
+          </a:lnRef>
+          <a:fillRef idx="1">
+            <a:schemeClr val="accent1"/>
+          </a:fillRef>
+          <a:effectRef idx="0">
+            <a:schemeClr val="accent1"/>
+          </a:effectRef>
+          <a:fontRef idx="minor">
+            <a:schemeClr val="lt1"/>
+          </a:fontRef>
+        </p:style>
+        <p:txBody>
+          <a:bodyPr rtlCol="0" anchor="ctr"/>
+          <a:lstStyle/>
+          <a:p>
+            <a:pPr algn="ctr"/>
+            <a:endParaRPr kumimoji="1" lang="ja-JP" altLang="en-US"/>
+          </a:p>
+        </p:txBody>
+      </p:sp>
+      <p:sp>
+        <p:nvSpPr>
+          <p:cNvPr id="88" name="テキスト ボックス 87">
+            <a:extLst>
+              <a:ext uri="{FF2B5EF4-FFF2-40B4-BE49-F238E27FC236}">
+                <a16:creationId xmlns:a16="http://schemas.microsoft.com/office/drawing/2014/main" id="{35726088-FEA9-F219-C068-9F5E780703BB}"/>
+              </a:ext>
+            </a:extLst>
+          </p:cNvPr>
+          <p:cNvSpPr txBox="1"/>
+          <p:nvPr/>
+        </p:nvSpPr>
+        <p:spPr>
+          <a:xfrm>
+            <a:off x="11255751" y="4151755"/>
+            <a:ext cx="975469" cy="584775"/>
+          </a:xfrm>
+          <a:prstGeom prst="rect">
+            <a:avLst/>
+          </a:prstGeom>
+          <a:noFill/>
+        </p:spPr>
+        <p:txBody>
+          <a:bodyPr wrap="square" rtlCol="0">
+            <a:spAutoFit/>
+          </a:bodyPr>
+          <a:lstStyle/>
+          <a:p>
+            <a:r>
+              <a:rPr kumimoji="1" lang="en-US" altLang="ja-JP" sz="1600" b="1" dirty="0">
+                <a:latin typeface="Arial" panose="020B0604020202020204" pitchFamily="34" charset="0"/>
+                <a:cs typeface="Arial" panose="020B0604020202020204" pitchFamily="34" charset="0"/>
+              </a:rPr>
+              <a:t>Derived </a:t>
+            </a:r>
+            <a:br>
+              <a:rPr kumimoji="1" lang="en-US" altLang="ja-JP" sz="1600" b="1" dirty="0">
+                <a:latin typeface="Arial" panose="020B0604020202020204" pitchFamily="34" charset="0"/>
+                <a:cs typeface="Arial" panose="020B0604020202020204" pitchFamily="34" charset="0"/>
+              </a:rPr>
+            </a:br>
+            <a:r>
+              <a:rPr kumimoji="1" lang="en-US" altLang="ja-JP" sz="1600" b="1" dirty="0">
+                <a:latin typeface="Arial" panose="020B0604020202020204" pitchFamily="34" charset="0"/>
+                <a:cs typeface="Arial" panose="020B0604020202020204" pitchFamily="34" charset="0"/>
+              </a:rPr>
+              <a:t>DTM</a:t>
+            </a:r>
+            <a:endParaRPr kumimoji="1" lang="ja-JP" altLang="en-US" sz="1600" b="1">
+              <a:latin typeface="Arial" panose="020B0604020202020204" pitchFamily="34" charset="0"/>
+              <a:cs typeface="Arial" panose="020B0604020202020204" pitchFamily="34" charset="0"/>
+            </a:endParaRPr>
+          </a:p>
+        </p:txBody>
+      </p:sp>
     </p:spTree>
     <p:extLst>
       <p:ext uri="{BB962C8B-B14F-4D97-AF65-F5344CB8AC3E}">

--- a/mid_poster/flow_chart_machine_learning.pptx
+++ b/mid_poster/flow_chart_machine_learning.pptx
@@ -7,6 +7,7 @@
   <p:sldIdLst>
     <p:sldId id="256" r:id="rId2"/>
     <p:sldId id="257" r:id="rId3"/>
+    <p:sldId id="258" r:id="rId4"/>
   </p:sldIdLst>
   <p:sldSz cx="12192000" cy="6858000"/>
   <p:notesSz cx="6858000" cy="9144000"/>
@@ -260,7 +261,7 @@
           <a:p>
             <a:fld id="{56AF85AD-C431-2C4A-B8C5-B71F79840C96}" type="datetimeFigureOut">
               <a:rPr kumimoji="1" lang="ja-JP" altLang="en-US" smtClean="0"/>
-              <a:t>2022/10/18</a:t>
+              <a:t>2022/10/20</a:t>
             </a:fld>
             <a:endParaRPr kumimoji="1" lang="ja-JP" altLang="en-US"/>
           </a:p>
@@ -490,7 +491,7 @@
           <a:p>
             <a:fld id="{56AF85AD-C431-2C4A-B8C5-B71F79840C96}" type="datetimeFigureOut">
               <a:rPr kumimoji="1" lang="ja-JP" altLang="en-US" smtClean="0"/>
-              <a:t>2022/10/18</a:t>
+              <a:t>2022/10/20</a:t>
             </a:fld>
             <a:endParaRPr kumimoji="1" lang="ja-JP" altLang="en-US"/>
           </a:p>
@@ -730,7 +731,7 @@
           <a:p>
             <a:fld id="{56AF85AD-C431-2C4A-B8C5-B71F79840C96}" type="datetimeFigureOut">
               <a:rPr kumimoji="1" lang="ja-JP" altLang="en-US" smtClean="0"/>
-              <a:t>2022/10/18</a:t>
+              <a:t>2022/10/20</a:t>
             </a:fld>
             <a:endParaRPr kumimoji="1" lang="ja-JP" altLang="en-US"/>
           </a:p>
@@ -960,7 +961,7 @@
           <a:p>
             <a:fld id="{56AF85AD-C431-2C4A-B8C5-B71F79840C96}" type="datetimeFigureOut">
               <a:rPr kumimoji="1" lang="ja-JP" altLang="en-US" smtClean="0"/>
-              <a:t>2022/10/18</a:t>
+              <a:t>2022/10/20</a:t>
             </a:fld>
             <a:endParaRPr kumimoji="1" lang="ja-JP" altLang="en-US"/>
           </a:p>
@@ -1235,7 +1236,7 @@
           <a:p>
             <a:fld id="{56AF85AD-C431-2C4A-B8C5-B71F79840C96}" type="datetimeFigureOut">
               <a:rPr kumimoji="1" lang="ja-JP" altLang="en-US" smtClean="0"/>
-              <a:t>2022/10/18</a:t>
+              <a:t>2022/10/20</a:t>
             </a:fld>
             <a:endParaRPr kumimoji="1" lang="ja-JP" altLang="en-US"/>
           </a:p>
@@ -1564,7 +1565,7 @@
           <a:p>
             <a:fld id="{56AF85AD-C431-2C4A-B8C5-B71F79840C96}" type="datetimeFigureOut">
               <a:rPr kumimoji="1" lang="ja-JP" altLang="en-US" smtClean="0"/>
-              <a:t>2022/10/18</a:t>
+              <a:t>2022/10/20</a:t>
             </a:fld>
             <a:endParaRPr kumimoji="1" lang="ja-JP" altLang="en-US"/>
           </a:p>
@@ -2040,7 +2041,7 @@
           <a:p>
             <a:fld id="{56AF85AD-C431-2C4A-B8C5-B71F79840C96}" type="datetimeFigureOut">
               <a:rPr kumimoji="1" lang="ja-JP" altLang="en-US" smtClean="0"/>
-              <a:t>2022/10/18</a:t>
+              <a:t>2022/10/20</a:t>
             </a:fld>
             <a:endParaRPr kumimoji="1" lang="ja-JP" altLang="en-US"/>
           </a:p>
@@ -2181,7 +2182,7 @@
           <a:p>
             <a:fld id="{56AF85AD-C431-2C4A-B8C5-B71F79840C96}" type="datetimeFigureOut">
               <a:rPr kumimoji="1" lang="ja-JP" altLang="en-US" smtClean="0"/>
-              <a:t>2022/10/18</a:t>
+              <a:t>2022/10/20</a:t>
             </a:fld>
             <a:endParaRPr kumimoji="1" lang="ja-JP" altLang="en-US"/>
           </a:p>
@@ -2294,7 +2295,7 @@
           <a:p>
             <a:fld id="{56AF85AD-C431-2C4A-B8C5-B71F79840C96}" type="datetimeFigureOut">
               <a:rPr kumimoji="1" lang="ja-JP" altLang="en-US" smtClean="0"/>
-              <a:t>2022/10/18</a:t>
+              <a:t>2022/10/20</a:t>
             </a:fld>
             <a:endParaRPr kumimoji="1" lang="ja-JP" altLang="en-US"/>
           </a:p>
@@ -2637,7 +2638,7 @@
           <a:p>
             <a:fld id="{56AF85AD-C431-2C4A-B8C5-B71F79840C96}" type="datetimeFigureOut">
               <a:rPr kumimoji="1" lang="ja-JP" altLang="en-US" smtClean="0"/>
-              <a:t>2022/10/18</a:t>
+              <a:t>2022/10/20</a:t>
             </a:fld>
             <a:endParaRPr kumimoji="1" lang="ja-JP" altLang="en-US"/>
           </a:p>
@@ -2925,7 +2926,7 @@
           <a:p>
             <a:fld id="{56AF85AD-C431-2C4A-B8C5-B71F79840C96}" type="datetimeFigureOut">
               <a:rPr kumimoji="1" lang="ja-JP" altLang="en-US" smtClean="0"/>
-              <a:t>2022/10/18</a:t>
+              <a:t>2022/10/20</a:t>
             </a:fld>
             <a:endParaRPr kumimoji="1" lang="ja-JP" altLang="en-US"/>
           </a:p>
@@ -3198,7 +3199,7 @@
           <a:p>
             <a:fld id="{56AF85AD-C431-2C4A-B8C5-B71F79840C96}" type="datetimeFigureOut">
               <a:rPr kumimoji="1" lang="ja-JP" altLang="en-US" smtClean="0"/>
-              <a:t>2022/10/18</a:t>
+              <a:t>2022/10/20</a:t>
             </a:fld>
             <a:endParaRPr kumimoji="1" lang="ja-JP" altLang="en-US"/>
           </a:p>
@@ -4549,25 +4550,338 @@
           </a:p>
         </p:txBody>
       </p:sp>
+      <p:sp>
+        <p:nvSpPr>
+          <p:cNvPr id="29" name="平行四辺形 28">
+            <a:extLst>
+              <a:ext uri="{FF2B5EF4-FFF2-40B4-BE49-F238E27FC236}">
+                <a16:creationId xmlns:a16="http://schemas.microsoft.com/office/drawing/2014/main" id="{8C27B939-2DE8-B8ED-FF33-260395540393}"/>
+              </a:ext>
+            </a:extLst>
+          </p:cNvPr>
+          <p:cNvSpPr/>
+          <p:nvPr/>
+        </p:nvSpPr>
+        <p:spPr>
+          <a:xfrm>
+            <a:off x="6947082" y="1530896"/>
+            <a:ext cx="1169232" cy="1304161"/>
+          </a:xfrm>
+          <a:prstGeom prst="parallelogram">
+            <a:avLst/>
+          </a:prstGeom>
+          <a:noFill/>
+          <a:ln w="38100">
+            <a:solidFill>
+              <a:srgbClr val="FF303C"/>
+            </a:solidFill>
+          </a:ln>
+        </p:spPr>
+        <p:style>
+          <a:lnRef idx="2">
+            <a:schemeClr val="accent1">
+              <a:shade val="50000"/>
+            </a:schemeClr>
+          </a:lnRef>
+          <a:fillRef idx="1">
+            <a:schemeClr val="accent1"/>
+          </a:fillRef>
+          <a:effectRef idx="0">
+            <a:schemeClr val="accent1"/>
+          </a:effectRef>
+          <a:fontRef idx="minor">
+            <a:schemeClr val="lt1"/>
+          </a:fontRef>
+        </p:style>
+        <p:txBody>
+          <a:bodyPr rtlCol="0" anchor="ctr"/>
+          <a:lstStyle/>
+          <a:p>
+            <a:pPr algn="ctr"/>
+            <a:endParaRPr kumimoji="1" lang="ja-JP" altLang="en-US"/>
+          </a:p>
+        </p:txBody>
+      </p:sp>
+      <p:sp>
+        <p:nvSpPr>
+          <p:cNvPr id="30" name="テキスト ボックス 29">
+            <a:extLst>
+              <a:ext uri="{FF2B5EF4-FFF2-40B4-BE49-F238E27FC236}">
+                <a16:creationId xmlns:a16="http://schemas.microsoft.com/office/drawing/2014/main" id="{7FC34568-71C0-41BC-FBEF-1F7D8BC06C56}"/>
+              </a:ext>
+            </a:extLst>
+          </p:cNvPr>
+          <p:cNvSpPr txBox="1"/>
+          <p:nvPr/>
+        </p:nvSpPr>
+        <p:spPr>
+          <a:xfrm>
+            <a:off x="7531698" y="2931106"/>
+            <a:ext cx="971613" cy="584775"/>
+          </a:xfrm>
+          <a:prstGeom prst="rect">
+            <a:avLst/>
+          </a:prstGeom>
+          <a:noFill/>
+        </p:spPr>
+        <p:txBody>
+          <a:bodyPr wrap="none" rtlCol="0">
+            <a:spAutoFit/>
+          </a:bodyPr>
+          <a:lstStyle/>
+          <a:p>
+            <a:r>
+              <a:rPr kumimoji="1" lang="en-US" altLang="ja-JP" sz="1600" b="1" dirty="0">
+                <a:latin typeface="Arial" panose="020B0604020202020204" pitchFamily="34" charset="0"/>
+                <a:cs typeface="Arial" panose="020B0604020202020204" pitchFamily="34" charset="0"/>
+              </a:rPr>
+              <a:t>Trained </a:t>
+            </a:r>
+          </a:p>
+          <a:p>
+            <a:r>
+              <a:rPr lang="en-US" altLang="ja-JP" sz="1600" b="1" dirty="0">
+                <a:latin typeface="Arial" panose="020B0604020202020204" pitchFamily="34" charset="0"/>
+                <a:cs typeface="Arial" panose="020B0604020202020204" pitchFamily="34" charset="0"/>
+              </a:rPr>
+              <a:t>Pix2Pix</a:t>
+            </a:r>
+            <a:endParaRPr kumimoji="1" lang="ja-JP" altLang="en-US" sz="1600" b="1">
+              <a:latin typeface="Arial" panose="020B0604020202020204" pitchFamily="34" charset="0"/>
+              <a:cs typeface="Arial" panose="020B0604020202020204" pitchFamily="34" charset="0"/>
+            </a:endParaRPr>
+          </a:p>
+        </p:txBody>
+      </p:sp>
+      <p:sp>
+        <p:nvSpPr>
+          <p:cNvPr id="31" name="テキスト ボックス 30">
+            <a:extLst>
+              <a:ext uri="{FF2B5EF4-FFF2-40B4-BE49-F238E27FC236}">
+                <a16:creationId xmlns:a16="http://schemas.microsoft.com/office/drawing/2014/main" id="{48AAB434-3B9B-1B39-8857-299F45F084AC}"/>
+              </a:ext>
+            </a:extLst>
+          </p:cNvPr>
+          <p:cNvSpPr txBox="1"/>
+          <p:nvPr/>
+        </p:nvSpPr>
+        <p:spPr>
+          <a:xfrm>
+            <a:off x="463556" y="3155507"/>
+            <a:ext cx="1570538" cy="338554"/>
+          </a:xfrm>
+          <a:prstGeom prst="rect">
+            <a:avLst/>
+          </a:prstGeom>
+          <a:noFill/>
+        </p:spPr>
+        <p:txBody>
+          <a:bodyPr wrap="square" rtlCol="0">
+            <a:spAutoFit/>
+          </a:bodyPr>
+          <a:lstStyle/>
+          <a:p>
+            <a:r>
+              <a:rPr kumimoji="1" lang="en-US" altLang="ja-JP" sz="1600" b="1" dirty="0">
+                <a:latin typeface="Arial" panose="020B0604020202020204" pitchFamily="34" charset="0"/>
+                <a:cs typeface="Arial" panose="020B0604020202020204" pitchFamily="34" charset="0"/>
+              </a:rPr>
+              <a:t>SLDEM 2015</a:t>
+            </a:r>
+            <a:endParaRPr kumimoji="1" lang="ja-JP" altLang="en-US" sz="1600" b="1">
+              <a:latin typeface="Arial" panose="020B0604020202020204" pitchFamily="34" charset="0"/>
+              <a:cs typeface="Arial" panose="020B0604020202020204" pitchFamily="34" charset="0"/>
+            </a:endParaRPr>
+          </a:p>
+        </p:txBody>
+      </p:sp>
+      <p:sp>
+        <p:nvSpPr>
+          <p:cNvPr id="32" name="テキスト ボックス 31">
+            <a:extLst>
+              <a:ext uri="{FF2B5EF4-FFF2-40B4-BE49-F238E27FC236}">
+                <a16:creationId xmlns:a16="http://schemas.microsoft.com/office/drawing/2014/main" id="{AD0C3A98-3249-F813-A959-24EEC9F88EEE}"/>
+              </a:ext>
+            </a:extLst>
+          </p:cNvPr>
+          <p:cNvSpPr txBox="1"/>
+          <p:nvPr/>
+        </p:nvSpPr>
+        <p:spPr>
+          <a:xfrm>
+            <a:off x="75767" y="4457013"/>
+            <a:ext cx="2554058" cy="338554"/>
+          </a:xfrm>
+          <a:prstGeom prst="rect">
+            <a:avLst/>
+          </a:prstGeom>
+          <a:noFill/>
+        </p:spPr>
+        <p:txBody>
+          <a:bodyPr wrap="square" rtlCol="0">
+            <a:spAutoFit/>
+          </a:bodyPr>
+          <a:lstStyle/>
+          <a:p>
+            <a:r>
+              <a:rPr lang="en-US" altLang="ja-JP" sz="1600" b="1" dirty="0">
+                <a:latin typeface="Arial" panose="020B0604020202020204" pitchFamily="34" charset="0"/>
+                <a:cs typeface="Arial" panose="020B0604020202020204" pitchFamily="34" charset="0"/>
+              </a:rPr>
+              <a:t>LRO NAC Orthoimage</a:t>
+            </a:r>
+            <a:endParaRPr kumimoji="1" lang="ja-JP" altLang="en-US" sz="1600" b="1">
+              <a:latin typeface="Arial" panose="020B0604020202020204" pitchFamily="34" charset="0"/>
+              <a:cs typeface="Arial" panose="020B0604020202020204" pitchFamily="34" charset="0"/>
+            </a:endParaRPr>
+          </a:p>
+        </p:txBody>
+      </p:sp>
+      <p:sp>
+        <p:nvSpPr>
+          <p:cNvPr id="33" name="テキスト ボックス 32">
+            <a:extLst>
+              <a:ext uri="{FF2B5EF4-FFF2-40B4-BE49-F238E27FC236}">
+                <a16:creationId xmlns:a16="http://schemas.microsoft.com/office/drawing/2014/main" id="{487EF9A5-2D3D-5D09-37DE-F89FF30CD15D}"/>
+              </a:ext>
+            </a:extLst>
+          </p:cNvPr>
+          <p:cNvSpPr txBox="1"/>
+          <p:nvPr/>
+        </p:nvSpPr>
+        <p:spPr>
+          <a:xfrm>
+            <a:off x="6096000" y="2078269"/>
+            <a:ext cx="773176" cy="349904"/>
+          </a:xfrm>
+          <a:prstGeom prst="rect">
+            <a:avLst/>
+          </a:prstGeom>
+          <a:noFill/>
+        </p:spPr>
+        <p:txBody>
+          <a:bodyPr wrap="square" rtlCol="0">
+            <a:spAutoFit/>
+          </a:bodyPr>
+          <a:lstStyle/>
+          <a:p>
+            <a:r>
+              <a:rPr kumimoji="1" lang="en-US" altLang="ja-JP" sz="1600" b="1" dirty="0">
+                <a:latin typeface="Arial" panose="020B0604020202020204" pitchFamily="34" charset="0"/>
+                <a:cs typeface="Arial" panose="020B0604020202020204" pitchFamily="34" charset="0"/>
+              </a:rPr>
+              <a:t>input</a:t>
+            </a:r>
+            <a:endParaRPr kumimoji="1" lang="ja-JP" altLang="en-US" sz="1600" b="1">
+              <a:latin typeface="Arial" panose="020B0604020202020204" pitchFamily="34" charset="0"/>
+              <a:cs typeface="Arial" panose="020B0604020202020204" pitchFamily="34" charset="0"/>
+            </a:endParaRPr>
+          </a:p>
+        </p:txBody>
+      </p:sp>
       <p:cxnSp>
         <p:nvCxnSpPr>
-          <p:cNvPr id="27" name="直線矢印コネクタ 26">
-            <a:extLst>
-              <a:ext uri="{FF2B5EF4-FFF2-40B4-BE49-F238E27FC236}">
-                <a16:creationId xmlns:a16="http://schemas.microsoft.com/office/drawing/2014/main" id="{7276DE77-AC47-342B-2010-1204C129631A}"/>
+          <p:cNvPr id="50" name="直線コネクタ 49">
+            <a:extLst>
+              <a:ext uri="{FF2B5EF4-FFF2-40B4-BE49-F238E27FC236}">
+                <a16:creationId xmlns:a16="http://schemas.microsoft.com/office/drawing/2014/main" id="{51890713-6ACF-AD7C-03A1-246D899C9B7E}"/>
               </a:ext>
             </a:extLst>
           </p:cNvPr>
           <p:cNvCxnSpPr>
             <a:cxnSpLocks/>
-            <a:stCxn id="26" idx="3"/>
           </p:cNvCxnSpPr>
           <p:nvPr/>
         </p:nvCxnSpPr>
         <p:spPr>
-          <a:xfrm flipV="1">
-            <a:off x="6780538" y="3210252"/>
-            <a:ext cx="714544" cy="13242"/>
+          <a:xfrm>
+            <a:off x="1204561" y="4815254"/>
+            <a:ext cx="0" cy="136541"/>
+          </a:xfrm>
+          <a:prstGeom prst="line">
+            <a:avLst/>
+          </a:prstGeom>
+          <a:ln w="38100">
+            <a:solidFill>
+              <a:srgbClr val="00B0F0"/>
+            </a:solidFill>
+          </a:ln>
+        </p:spPr>
+        <p:style>
+          <a:lnRef idx="1">
+            <a:schemeClr val="accent1"/>
+          </a:lnRef>
+          <a:fillRef idx="0">
+            <a:schemeClr val="accent1"/>
+          </a:fillRef>
+          <a:effectRef idx="0">
+            <a:schemeClr val="accent1"/>
+          </a:effectRef>
+          <a:fontRef idx="minor">
+            <a:schemeClr val="tx1"/>
+          </a:fontRef>
+        </p:style>
+      </p:cxnSp>
+      <p:sp>
+        <p:nvSpPr>
+          <p:cNvPr id="60" name="テキスト ボックス 59">
+            <a:extLst>
+              <a:ext uri="{FF2B5EF4-FFF2-40B4-BE49-F238E27FC236}">
+                <a16:creationId xmlns:a16="http://schemas.microsoft.com/office/drawing/2014/main" id="{9A650EC0-01FC-5C58-1FF4-DB859A34A647}"/>
+              </a:ext>
+            </a:extLst>
+          </p:cNvPr>
+          <p:cNvSpPr txBox="1"/>
+          <p:nvPr/>
+        </p:nvSpPr>
+        <p:spPr>
+          <a:xfrm>
+            <a:off x="4203098" y="4640302"/>
+            <a:ext cx="773176" cy="349904"/>
+          </a:xfrm>
+          <a:prstGeom prst="rect">
+            <a:avLst/>
+          </a:prstGeom>
+          <a:noFill/>
+        </p:spPr>
+        <p:txBody>
+          <a:bodyPr wrap="square" rtlCol="0">
+            <a:spAutoFit/>
+          </a:bodyPr>
+          <a:lstStyle/>
+          <a:p>
+            <a:r>
+              <a:rPr kumimoji="1" lang="en-US" altLang="ja-JP" sz="1600" b="1" dirty="0">
+                <a:latin typeface="Arial" panose="020B0604020202020204" pitchFamily="34" charset="0"/>
+                <a:cs typeface="Arial" panose="020B0604020202020204" pitchFamily="34" charset="0"/>
+              </a:rPr>
+              <a:t>input</a:t>
+            </a:r>
+            <a:endParaRPr kumimoji="1" lang="ja-JP" altLang="en-US" sz="1600" b="1">
+              <a:latin typeface="Arial" panose="020B0604020202020204" pitchFamily="34" charset="0"/>
+              <a:cs typeface="Arial" panose="020B0604020202020204" pitchFamily="34" charset="0"/>
+            </a:endParaRPr>
+          </a:p>
+        </p:txBody>
+      </p:sp>
+      <p:cxnSp>
+        <p:nvCxnSpPr>
+          <p:cNvPr id="61" name="直線矢印コネクタ 60">
+            <a:extLst>
+              <a:ext uri="{FF2B5EF4-FFF2-40B4-BE49-F238E27FC236}">
+                <a16:creationId xmlns:a16="http://schemas.microsoft.com/office/drawing/2014/main" id="{C1B1EC23-3BA4-4331-5CDB-0055D79B80DA}"/>
+              </a:ext>
+            </a:extLst>
+          </p:cNvPr>
+          <p:cNvCxnSpPr>
+            <a:cxnSpLocks/>
+          </p:cNvCxnSpPr>
+          <p:nvPr/>
+        </p:nvCxnSpPr>
+        <p:spPr>
+          <a:xfrm>
+            <a:off x="8285630" y="2471449"/>
+            <a:ext cx="868777" cy="0"/>
           </a:xfrm>
           <a:prstGeom prst="straightConnector1">
             <a:avLst/>
@@ -4596,10 +4910,52 @@
       </p:cxnSp>
       <p:sp>
         <p:nvSpPr>
-          <p:cNvPr id="29" name="平行四辺形 28">
-            <a:extLst>
-              <a:ext uri="{FF2B5EF4-FFF2-40B4-BE49-F238E27FC236}">
-                <a16:creationId xmlns:a16="http://schemas.microsoft.com/office/drawing/2014/main" id="{8C27B939-2DE8-B8ED-FF33-260395540393}"/>
+          <p:cNvPr id="68" name="テキスト ボックス 67">
+            <a:extLst>
+              <a:ext uri="{FF2B5EF4-FFF2-40B4-BE49-F238E27FC236}">
+                <a16:creationId xmlns:a16="http://schemas.microsoft.com/office/drawing/2014/main" id="{6080C61F-2976-BAE8-8113-C96E5305CEE9}"/>
+              </a:ext>
+            </a:extLst>
+          </p:cNvPr>
+          <p:cNvSpPr txBox="1"/>
+          <p:nvPr/>
+        </p:nvSpPr>
+        <p:spPr>
+          <a:xfrm>
+            <a:off x="8590038" y="1224216"/>
+            <a:ext cx="872756" cy="338554"/>
+          </a:xfrm>
+          <a:prstGeom prst="rect">
+            <a:avLst/>
+          </a:prstGeom>
+          <a:noFill/>
+        </p:spPr>
+        <p:txBody>
+          <a:bodyPr wrap="square" rtlCol="0">
+            <a:spAutoFit/>
+          </a:bodyPr>
+          <a:lstStyle/>
+          <a:p>
+            <a:r>
+              <a:rPr kumimoji="1" lang="en-US" altLang="ja-JP" sz="1600" b="1" dirty="0">
+                <a:latin typeface="Arial" panose="020B0604020202020204" pitchFamily="34" charset="0"/>
+                <a:cs typeface="Arial" panose="020B0604020202020204" pitchFamily="34" charset="0"/>
+              </a:rPr>
+              <a:t>output</a:t>
+            </a:r>
+            <a:endParaRPr kumimoji="1" lang="ja-JP" altLang="en-US" sz="1600" b="1">
+              <a:latin typeface="Arial" panose="020B0604020202020204" pitchFamily="34" charset="0"/>
+              <a:cs typeface="Arial" panose="020B0604020202020204" pitchFamily="34" charset="0"/>
+            </a:endParaRPr>
+          </a:p>
+        </p:txBody>
+      </p:sp>
+      <p:sp>
+        <p:nvSpPr>
+          <p:cNvPr id="71" name="平行四辺形 70">
+            <a:extLst>
+              <a:ext uri="{FF2B5EF4-FFF2-40B4-BE49-F238E27FC236}">
+                <a16:creationId xmlns:a16="http://schemas.microsoft.com/office/drawing/2014/main" id="{E1B20041-BBA6-6609-6B1D-D5F3551752EC}"/>
               </a:ext>
             </a:extLst>
           </p:cNvPr>
@@ -4608,8 +4964,8 @@
         </p:nvSpPr>
         <p:spPr>
           <a:xfrm>
-            <a:off x="7389475" y="2582831"/>
-            <a:ext cx="1169232" cy="1304161"/>
+            <a:off x="9417099" y="1893093"/>
+            <a:ext cx="1169232" cy="742534"/>
           </a:xfrm>
           <a:prstGeom prst="parallelogram">
             <a:avLst/>
@@ -4648,10 +5004,10 @@
       </p:sp>
       <p:sp>
         <p:nvSpPr>
-          <p:cNvPr id="30" name="テキスト ボックス 29">
-            <a:extLst>
-              <a:ext uri="{FF2B5EF4-FFF2-40B4-BE49-F238E27FC236}">
-                <a16:creationId xmlns:a16="http://schemas.microsoft.com/office/drawing/2014/main" id="{7FC34568-71C0-41BC-FBEF-1F7D8BC06C56}"/>
+          <p:cNvPr id="72" name="テキスト ボックス 71">
+            <a:extLst>
+              <a:ext uri="{FF2B5EF4-FFF2-40B4-BE49-F238E27FC236}">
+                <a16:creationId xmlns:a16="http://schemas.microsoft.com/office/drawing/2014/main" id="{586D9D31-2ADE-313E-79BD-97BEBCB6EF2F}"/>
               </a:ext>
             </a:extLst>
           </p:cNvPr>
@@ -4660,8 +5016,8 @@
         </p:nvSpPr>
         <p:spPr>
           <a:xfrm>
-            <a:off x="7531698" y="2931106"/>
-            <a:ext cx="971613" cy="584775"/>
+            <a:off x="9537770" y="3147033"/>
+            <a:ext cx="628698" cy="338554"/>
           </a:xfrm>
           <a:prstGeom prst="rect">
             <a:avLst/>
@@ -4679,16 +5035,7 @@
                 <a:latin typeface="Arial" panose="020B0604020202020204" pitchFamily="34" charset="0"/>
                 <a:cs typeface="Arial" panose="020B0604020202020204" pitchFamily="34" charset="0"/>
               </a:rPr>
-              <a:t>Trained </a:t>
-            </a:r>
-          </a:p>
-          <a:p>
-            <a:r>
-              <a:rPr lang="en-US" altLang="ja-JP" sz="1600" b="1" dirty="0">
-                <a:latin typeface="Arial" panose="020B0604020202020204" pitchFamily="34" charset="0"/>
-                <a:cs typeface="Arial" panose="020B0604020202020204" pitchFamily="34" charset="0"/>
-              </a:rPr>
-              <a:t>Pix2Pix</a:t>
+              <a:t>DTM</a:t>
             </a:r>
             <a:endParaRPr kumimoji="1" lang="ja-JP" altLang="en-US" sz="1600" b="1">
               <a:latin typeface="Arial" panose="020B0604020202020204" pitchFamily="34" charset="0"/>
@@ -4697,183 +5044,12 @@
           </a:p>
         </p:txBody>
       </p:sp>
-      <p:sp>
-        <p:nvSpPr>
-          <p:cNvPr id="31" name="テキスト ボックス 30">
-            <a:extLst>
-              <a:ext uri="{FF2B5EF4-FFF2-40B4-BE49-F238E27FC236}">
-                <a16:creationId xmlns:a16="http://schemas.microsoft.com/office/drawing/2014/main" id="{48AAB434-3B9B-1B39-8857-299F45F084AC}"/>
-              </a:ext>
-            </a:extLst>
-          </p:cNvPr>
-          <p:cNvSpPr txBox="1"/>
-          <p:nvPr/>
-        </p:nvSpPr>
-        <p:spPr>
-          <a:xfrm>
-            <a:off x="463556" y="3155507"/>
-            <a:ext cx="1570538" cy="338554"/>
-          </a:xfrm>
-          <a:prstGeom prst="rect">
-            <a:avLst/>
-          </a:prstGeom>
-          <a:noFill/>
-        </p:spPr>
-        <p:txBody>
-          <a:bodyPr wrap="square" rtlCol="0">
-            <a:spAutoFit/>
-          </a:bodyPr>
-          <a:lstStyle/>
-          <a:p>
-            <a:r>
-              <a:rPr kumimoji="1" lang="en-US" altLang="ja-JP" sz="1600" b="1" dirty="0">
-                <a:latin typeface="Arial" panose="020B0604020202020204" pitchFamily="34" charset="0"/>
-                <a:cs typeface="Arial" panose="020B0604020202020204" pitchFamily="34" charset="0"/>
-              </a:rPr>
-              <a:t>SLDEM 2015</a:t>
-            </a:r>
-            <a:endParaRPr kumimoji="1" lang="ja-JP" altLang="en-US" sz="1600" b="1">
-              <a:latin typeface="Arial" panose="020B0604020202020204" pitchFamily="34" charset="0"/>
-              <a:cs typeface="Arial" panose="020B0604020202020204" pitchFamily="34" charset="0"/>
-            </a:endParaRPr>
-          </a:p>
-        </p:txBody>
-      </p:sp>
-      <p:sp>
-        <p:nvSpPr>
-          <p:cNvPr id="32" name="テキスト ボックス 31">
-            <a:extLst>
-              <a:ext uri="{FF2B5EF4-FFF2-40B4-BE49-F238E27FC236}">
-                <a16:creationId xmlns:a16="http://schemas.microsoft.com/office/drawing/2014/main" id="{AD0C3A98-3249-F813-A959-24EEC9F88EEE}"/>
-              </a:ext>
-            </a:extLst>
-          </p:cNvPr>
-          <p:cNvSpPr txBox="1"/>
-          <p:nvPr/>
-        </p:nvSpPr>
-        <p:spPr>
-          <a:xfrm>
-            <a:off x="75767" y="4457013"/>
-            <a:ext cx="2554058" cy="338554"/>
-          </a:xfrm>
-          <a:prstGeom prst="rect">
-            <a:avLst/>
-          </a:prstGeom>
-          <a:noFill/>
-        </p:spPr>
-        <p:txBody>
-          <a:bodyPr wrap="square" rtlCol="0">
-            <a:spAutoFit/>
-          </a:bodyPr>
-          <a:lstStyle/>
-          <a:p>
-            <a:r>
-              <a:rPr lang="en-US" altLang="ja-JP" sz="1600" b="1" dirty="0">
-                <a:latin typeface="Arial" panose="020B0604020202020204" pitchFamily="34" charset="0"/>
-                <a:cs typeface="Arial" panose="020B0604020202020204" pitchFamily="34" charset="0"/>
-              </a:rPr>
-              <a:t>LRO NAC Orthoimage</a:t>
-            </a:r>
-            <a:endParaRPr kumimoji="1" lang="ja-JP" altLang="en-US" sz="1600" b="1">
-              <a:latin typeface="Arial" panose="020B0604020202020204" pitchFamily="34" charset="0"/>
-              <a:cs typeface="Arial" panose="020B0604020202020204" pitchFamily="34" charset="0"/>
-            </a:endParaRPr>
-          </a:p>
-        </p:txBody>
-      </p:sp>
-      <p:sp>
-        <p:nvSpPr>
-          <p:cNvPr id="33" name="テキスト ボックス 32">
-            <a:extLst>
-              <a:ext uri="{FF2B5EF4-FFF2-40B4-BE49-F238E27FC236}">
-                <a16:creationId xmlns:a16="http://schemas.microsoft.com/office/drawing/2014/main" id="{487EF9A5-2D3D-5D09-37DE-F89FF30CD15D}"/>
-              </a:ext>
-            </a:extLst>
-          </p:cNvPr>
-          <p:cNvSpPr txBox="1"/>
-          <p:nvPr/>
-        </p:nvSpPr>
-        <p:spPr>
-          <a:xfrm>
-            <a:off x="4949449" y="2765759"/>
-            <a:ext cx="773176" cy="349904"/>
-          </a:xfrm>
-          <a:prstGeom prst="rect">
-            <a:avLst/>
-          </a:prstGeom>
-          <a:noFill/>
-        </p:spPr>
-        <p:txBody>
-          <a:bodyPr wrap="square" rtlCol="0">
-            <a:spAutoFit/>
-          </a:bodyPr>
-          <a:lstStyle/>
-          <a:p>
-            <a:r>
-              <a:rPr kumimoji="1" lang="en-US" altLang="ja-JP" sz="1600" b="1" dirty="0">
-                <a:latin typeface="Arial" panose="020B0604020202020204" pitchFamily="34" charset="0"/>
-                <a:cs typeface="Arial" panose="020B0604020202020204" pitchFamily="34" charset="0"/>
-              </a:rPr>
-              <a:t>input</a:t>
-            </a:r>
-            <a:endParaRPr kumimoji="1" lang="ja-JP" altLang="en-US" sz="1600" b="1">
-              <a:latin typeface="Arial" panose="020B0604020202020204" pitchFamily="34" charset="0"/>
-              <a:cs typeface="Arial" panose="020B0604020202020204" pitchFamily="34" charset="0"/>
-            </a:endParaRPr>
-          </a:p>
-        </p:txBody>
-      </p:sp>
       <p:cxnSp>
         <p:nvCxnSpPr>
-          <p:cNvPr id="42" name="カギ線コネクタ 41">
-            <a:extLst>
-              <a:ext uri="{FF2B5EF4-FFF2-40B4-BE49-F238E27FC236}">
-                <a16:creationId xmlns:a16="http://schemas.microsoft.com/office/drawing/2014/main" id="{8C818CC6-5788-49F4-2DD2-ABC83E8FC298}"/>
-              </a:ext>
-            </a:extLst>
-          </p:cNvPr>
-          <p:cNvCxnSpPr>
-            <a:cxnSpLocks/>
-            <a:endCxn id="29" idx="3"/>
-          </p:cNvCxnSpPr>
-          <p:nvPr/>
-        </p:nvCxnSpPr>
-        <p:spPr>
-          <a:xfrm flipV="1">
-            <a:off x="1205903" y="3886992"/>
-            <a:ext cx="6622034" cy="1045116"/>
-          </a:xfrm>
-          <a:prstGeom prst="bentConnector2">
-            <a:avLst/>
-          </a:prstGeom>
-          <a:ln w="38100">
-            <a:solidFill>
-              <a:srgbClr val="00B0F0"/>
-            </a:solidFill>
-            <a:tailEnd type="triangle"/>
-          </a:ln>
-        </p:spPr>
-        <p:style>
-          <a:lnRef idx="1">
-            <a:schemeClr val="accent1"/>
-          </a:lnRef>
-          <a:fillRef idx="0">
-            <a:schemeClr val="accent1"/>
-          </a:fillRef>
-          <a:effectRef idx="0">
-            <a:schemeClr val="accent1"/>
-          </a:effectRef>
-          <a:fontRef idx="minor">
-            <a:schemeClr val="tx1"/>
-          </a:fontRef>
-        </p:style>
-      </p:cxnSp>
-      <p:cxnSp>
-        <p:nvCxnSpPr>
-          <p:cNvPr id="50" name="直線コネクタ 49">
-            <a:extLst>
-              <a:ext uri="{FF2B5EF4-FFF2-40B4-BE49-F238E27FC236}">
-                <a16:creationId xmlns:a16="http://schemas.microsoft.com/office/drawing/2014/main" id="{51890713-6ACF-AD7C-03A1-246D899C9B7E}"/>
+          <p:cNvPr id="73" name="直線矢印コネクタ 72">
+            <a:extLst>
+              <a:ext uri="{FF2B5EF4-FFF2-40B4-BE49-F238E27FC236}">
+                <a16:creationId xmlns:a16="http://schemas.microsoft.com/office/drawing/2014/main" id="{16C7596A-8DEE-1759-BEBB-38B3F9473C6B}"/>
               </a:ext>
             </a:extLst>
           </p:cNvPr>
@@ -4884,93 +5060,8 @@
         </p:nvCxnSpPr>
         <p:spPr>
           <a:xfrm>
-            <a:off x="1204561" y="4815254"/>
-            <a:ext cx="0" cy="136541"/>
-          </a:xfrm>
-          <a:prstGeom prst="line">
-            <a:avLst/>
-          </a:prstGeom>
-          <a:ln w="38100">
-            <a:solidFill>
-              <a:srgbClr val="00B0F0"/>
-            </a:solidFill>
-          </a:ln>
-        </p:spPr>
-        <p:style>
-          <a:lnRef idx="1">
-            <a:schemeClr val="accent1"/>
-          </a:lnRef>
-          <a:fillRef idx="0">
-            <a:schemeClr val="accent1"/>
-          </a:fillRef>
-          <a:effectRef idx="0">
-            <a:schemeClr val="accent1"/>
-          </a:effectRef>
-          <a:fontRef idx="minor">
-            <a:schemeClr val="tx1"/>
-          </a:fontRef>
-        </p:style>
-      </p:cxnSp>
-      <p:sp>
-        <p:nvSpPr>
-          <p:cNvPr id="60" name="テキスト ボックス 59">
-            <a:extLst>
-              <a:ext uri="{FF2B5EF4-FFF2-40B4-BE49-F238E27FC236}">
-                <a16:creationId xmlns:a16="http://schemas.microsoft.com/office/drawing/2014/main" id="{9A650EC0-01FC-5C58-1FF4-DB859A34A647}"/>
-              </a:ext>
-            </a:extLst>
-          </p:cNvPr>
-          <p:cNvSpPr txBox="1"/>
-          <p:nvPr/>
-        </p:nvSpPr>
-        <p:spPr>
-          <a:xfrm>
-            <a:off x="4203098" y="4640302"/>
-            <a:ext cx="773176" cy="349904"/>
-          </a:xfrm>
-          <a:prstGeom prst="rect">
-            <a:avLst/>
-          </a:prstGeom>
-          <a:noFill/>
-        </p:spPr>
-        <p:txBody>
-          <a:bodyPr wrap="square" rtlCol="0">
-            <a:spAutoFit/>
-          </a:bodyPr>
-          <a:lstStyle/>
-          <a:p>
-            <a:r>
-              <a:rPr kumimoji="1" lang="en-US" altLang="ja-JP" sz="1600" b="1" dirty="0">
-                <a:latin typeface="Arial" panose="020B0604020202020204" pitchFamily="34" charset="0"/>
-                <a:cs typeface="Arial" panose="020B0604020202020204" pitchFamily="34" charset="0"/>
-              </a:rPr>
-              <a:t>input</a:t>
-            </a:r>
-            <a:endParaRPr kumimoji="1" lang="ja-JP" altLang="en-US" sz="1600" b="1">
-              <a:latin typeface="Arial" panose="020B0604020202020204" pitchFamily="34" charset="0"/>
-              <a:cs typeface="Arial" panose="020B0604020202020204" pitchFamily="34" charset="0"/>
-            </a:endParaRPr>
-          </a:p>
-        </p:txBody>
-      </p:sp>
-      <p:cxnSp>
-        <p:nvCxnSpPr>
-          <p:cNvPr id="61" name="直線矢印コネクタ 60">
-            <a:extLst>
-              <a:ext uri="{FF2B5EF4-FFF2-40B4-BE49-F238E27FC236}">
-                <a16:creationId xmlns:a16="http://schemas.microsoft.com/office/drawing/2014/main" id="{C1B1EC23-3BA4-4331-5CDB-0055D79B80DA}"/>
-              </a:ext>
-            </a:extLst>
-          </p:cNvPr>
-          <p:cNvCxnSpPr>
-            <a:cxnSpLocks/>
-          </p:cNvCxnSpPr>
-          <p:nvPr/>
-        </p:nvCxnSpPr>
-        <p:spPr>
-          <a:xfrm>
-            <a:off x="8480706" y="3252311"/>
-            <a:ext cx="868777" cy="0"/>
+            <a:off x="9829272" y="3704845"/>
+            <a:ext cx="0" cy="364294"/>
           </a:xfrm>
           <a:prstGeom prst="straightConnector1">
             <a:avLst/>
@@ -4999,10 +5090,135 @@
       </p:cxnSp>
       <p:sp>
         <p:nvSpPr>
-          <p:cNvPr id="68" name="テキスト ボックス 67">
-            <a:extLst>
-              <a:ext uri="{FF2B5EF4-FFF2-40B4-BE49-F238E27FC236}">
-                <a16:creationId xmlns:a16="http://schemas.microsoft.com/office/drawing/2014/main" id="{6080C61F-2976-BAE8-8113-C96E5305CEE9}"/>
+          <p:cNvPr id="79" name="正方形/長方形 78">
+            <a:extLst>
+              <a:ext uri="{FF2B5EF4-FFF2-40B4-BE49-F238E27FC236}">
+                <a16:creationId xmlns:a16="http://schemas.microsoft.com/office/drawing/2014/main" id="{C456D3CB-2DEA-8F69-D444-A0B69EE90F4E}"/>
+              </a:ext>
+            </a:extLst>
+          </p:cNvPr>
+          <p:cNvSpPr/>
+          <p:nvPr/>
+        </p:nvSpPr>
+        <p:spPr>
+          <a:xfrm>
+            <a:off x="9026416" y="4058701"/>
+            <a:ext cx="1429250" cy="927144"/>
+          </a:xfrm>
+          <a:prstGeom prst="rect">
+            <a:avLst/>
+          </a:prstGeom>
+          <a:noFill/>
+          <a:ln w="38100">
+            <a:solidFill>
+              <a:srgbClr val="00B0F0"/>
+            </a:solidFill>
+          </a:ln>
+        </p:spPr>
+        <p:style>
+          <a:lnRef idx="2">
+            <a:schemeClr val="accent1">
+              <a:shade val="50000"/>
+            </a:schemeClr>
+          </a:lnRef>
+          <a:fillRef idx="1">
+            <a:schemeClr val="accent1"/>
+          </a:fillRef>
+          <a:effectRef idx="0">
+            <a:schemeClr val="accent1"/>
+          </a:effectRef>
+          <a:fontRef idx="minor">
+            <a:schemeClr val="lt1"/>
+          </a:fontRef>
+        </p:style>
+        <p:txBody>
+          <a:bodyPr rtlCol="0" anchor="ctr"/>
+          <a:lstStyle/>
+          <a:p>
+            <a:pPr algn="ctr"/>
+            <a:r>
+              <a:rPr lang="en-US" altLang="ja-JP" sz="1600" b="1" dirty="0">
+                <a:solidFill>
+                  <a:sysClr val="windowText" lastClr="000000"/>
+                </a:solidFill>
+                <a:latin typeface="Arial" panose="020B0604020202020204" pitchFamily="34" charset="0"/>
+                <a:cs typeface="Arial" panose="020B0604020202020204" pitchFamily="34" charset="0"/>
+              </a:rPr>
+              <a:t>Apply</a:t>
+            </a:r>
+          </a:p>
+          <a:p>
+            <a:pPr algn="ctr"/>
+            <a:r>
+              <a:rPr kumimoji="1" lang="en-US" altLang="ja-JP" sz="1600" b="1" dirty="0">
+                <a:solidFill>
+                  <a:sysClr val="windowText" lastClr="000000"/>
+                </a:solidFill>
+                <a:latin typeface="Arial" panose="020B0604020202020204" pitchFamily="34" charset="0"/>
+                <a:cs typeface="Arial" panose="020B0604020202020204" pitchFamily="34" charset="0"/>
+              </a:rPr>
+              <a:t>SFS to DTM</a:t>
+            </a:r>
+            <a:endParaRPr kumimoji="1" lang="ja-JP" altLang="en-US" sz="1600" b="1">
+              <a:solidFill>
+                <a:sysClr val="windowText" lastClr="000000"/>
+              </a:solidFill>
+              <a:latin typeface="Arial" panose="020B0604020202020204" pitchFamily="34" charset="0"/>
+              <a:cs typeface="Arial" panose="020B0604020202020204" pitchFamily="34" charset="0"/>
+            </a:endParaRPr>
+          </a:p>
+        </p:txBody>
+      </p:sp>
+      <p:cxnSp>
+        <p:nvCxnSpPr>
+          <p:cNvPr id="80" name="直線矢印コネクタ 79">
+            <a:extLst>
+              <a:ext uri="{FF2B5EF4-FFF2-40B4-BE49-F238E27FC236}">
+                <a16:creationId xmlns:a16="http://schemas.microsoft.com/office/drawing/2014/main" id="{90360B8D-BE8F-8D94-0AF3-6A8057544E26}"/>
+              </a:ext>
+            </a:extLst>
+          </p:cNvPr>
+          <p:cNvCxnSpPr>
+            <a:cxnSpLocks/>
+          </p:cNvCxnSpPr>
+          <p:nvPr/>
+        </p:nvCxnSpPr>
+        <p:spPr>
+          <a:xfrm>
+            <a:off x="10455666" y="4457013"/>
+            <a:ext cx="785725" cy="0"/>
+          </a:xfrm>
+          <a:prstGeom prst="straightConnector1">
+            <a:avLst/>
+          </a:prstGeom>
+          <a:ln w="38100">
+            <a:solidFill>
+              <a:srgbClr val="00B0F0"/>
+            </a:solidFill>
+            <a:tailEnd type="triangle"/>
+          </a:ln>
+        </p:spPr>
+        <p:style>
+          <a:lnRef idx="1">
+            <a:schemeClr val="accent1"/>
+          </a:lnRef>
+          <a:fillRef idx="0">
+            <a:schemeClr val="accent1"/>
+          </a:fillRef>
+          <a:effectRef idx="0">
+            <a:schemeClr val="accent1"/>
+          </a:effectRef>
+          <a:fontRef idx="minor">
+            <a:schemeClr val="tx1"/>
+          </a:fontRef>
+        </p:style>
+      </p:cxnSp>
+      <p:sp>
+        <p:nvSpPr>
+          <p:cNvPr id="82" name="テキスト ボックス 81">
+            <a:extLst>
+              <a:ext uri="{FF2B5EF4-FFF2-40B4-BE49-F238E27FC236}">
+                <a16:creationId xmlns:a16="http://schemas.microsoft.com/office/drawing/2014/main" id="{FD769570-E42D-F4EE-430A-65A9C1EAB085}"/>
               </a:ext>
             </a:extLst>
           </p:cNvPr>
@@ -5011,7 +5227,7 @@
         </p:nvSpPr>
         <p:spPr>
           <a:xfrm>
-            <a:off x="8476727" y="2825040"/>
+            <a:off x="10412151" y="4105589"/>
             <a:ext cx="872756" cy="338554"/>
           </a:xfrm>
           <a:prstGeom prst="rect">
@@ -5041,10 +5257,10 @@
       </p:sp>
       <p:sp>
         <p:nvSpPr>
-          <p:cNvPr id="71" name="平行四辺形 70">
-            <a:extLst>
-              <a:ext uri="{FF2B5EF4-FFF2-40B4-BE49-F238E27FC236}">
-                <a16:creationId xmlns:a16="http://schemas.microsoft.com/office/drawing/2014/main" id="{E1B20041-BBA6-6609-6B1D-D5F3551752EC}"/>
+          <p:cNvPr id="86" name="平行四辺形 85">
+            <a:extLst>
+              <a:ext uri="{FF2B5EF4-FFF2-40B4-BE49-F238E27FC236}">
+                <a16:creationId xmlns:a16="http://schemas.microsoft.com/office/drawing/2014/main" id="{E75DFDD5-BEE7-B7B9-1B97-4DC465705366}"/>
               </a:ext>
             </a:extLst>
           </p:cNvPr>
@@ -5053,8 +5269,8 @@
         </p:nvSpPr>
         <p:spPr>
           <a:xfrm>
-            <a:off x="9267503" y="2951873"/>
-            <a:ext cx="1169232" cy="742534"/>
+            <a:off x="11172252" y="4105589"/>
+            <a:ext cx="975479" cy="718076"/>
           </a:xfrm>
           <a:prstGeom prst="parallelogram">
             <a:avLst/>
@@ -5093,10 +5309,10 @@
       </p:sp>
       <p:sp>
         <p:nvSpPr>
-          <p:cNvPr id="72" name="テキスト ボックス 71">
-            <a:extLst>
-              <a:ext uri="{FF2B5EF4-FFF2-40B4-BE49-F238E27FC236}">
-                <a16:creationId xmlns:a16="http://schemas.microsoft.com/office/drawing/2014/main" id="{586D9D31-2ADE-313E-79BD-97BEBCB6EF2F}"/>
+          <p:cNvPr id="88" name="テキスト ボックス 87">
+            <a:extLst>
+              <a:ext uri="{FF2B5EF4-FFF2-40B4-BE49-F238E27FC236}">
+                <a16:creationId xmlns:a16="http://schemas.microsoft.com/office/drawing/2014/main" id="{35726088-FEA9-F219-C068-9F5E780703BB}"/>
               </a:ext>
             </a:extLst>
           </p:cNvPr>
@@ -5105,8 +5321,8 @@
         </p:nvSpPr>
         <p:spPr>
           <a:xfrm>
-            <a:off x="9537770" y="3147033"/>
-            <a:ext cx="628698" cy="338554"/>
+            <a:off x="11255751" y="4151755"/>
+            <a:ext cx="975469" cy="584775"/>
           </a:xfrm>
           <a:prstGeom prst="rect">
             <a:avLst/>
@@ -5114,11 +5330,24 @@
           <a:noFill/>
         </p:spPr>
         <p:txBody>
-          <a:bodyPr wrap="none" rtlCol="0">
+          <a:bodyPr wrap="square" rtlCol="0">
             <a:spAutoFit/>
           </a:bodyPr>
           <a:lstStyle/>
           <a:p>
+            <a:r>
+              <a:rPr kumimoji="1" lang="en-US" altLang="ja-JP" sz="1600" b="1" dirty="0">
+                <a:latin typeface="Arial" panose="020B0604020202020204" pitchFamily="34" charset="0"/>
+                <a:cs typeface="Arial" panose="020B0604020202020204" pitchFamily="34" charset="0"/>
+              </a:rPr>
+              <a:t>Derived </a:t>
+            </a:r>
+            <a:br>
+              <a:rPr kumimoji="1" lang="en-US" altLang="ja-JP" sz="1600" b="1" dirty="0">
+                <a:latin typeface="Arial" panose="020B0604020202020204" pitchFamily="34" charset="0"/>
+                <a:cs typeface="Arial" panose="020B0604020202020204" pitchFamily="34" charset="0"/>
+              </a:rPr>
+            </a:br>
             <a:r>
               <a:rPr kumimoji="1" lang="en-US" altLang="ja-JP" sz="1600" b="1" dirty="0">
                 <a:latin typeface="Arial" panose="020B0604020202020204" pitchFamily="34" charset="0"/>
@@ -5133,24 +5362,780 @@
           </a:p>
         </p:txBody>
       </p:sp>
+    </p:spTree>
+    <p:extLst>
+      <p:ext uri="{BB962C8B-B14F-4D97-AF65-F5344CB8AC3E}">
+        <p14:creationId xmlns:p14="http://schemas.microsoft.com/office/powerpoint/2010/main" val="4002169174"/>
+      </p:ext>
+    </p:extLst>
+  </p:cSld>
+  <p:clrMapOvr>
+    <a:masterClrMapping/>
+  </p:clrMapOvr>
+</p:sld>
+</file>
+
+<file path=ppt/slides/slide3.xml><?xml version="1.0" encoding="utf-8"?>
+<p:sld xmlns:a="http://schemas.openxmlformats.org/drawingml/2006/main" xmlns:r="http://schemas.openxmlformats.org/officeDocument/2006/relationships" xmlns:p="http://schemas.openxmlformats.org/presentationml/2006/main">
+  <p:cSld>
+    <p:spTree>
+      <p:nvGrpSpPr>
+        <p:cNvPr id="1" name=""/>
+        <p:cNvGrpSpPr/>
+        <p:nvPr/>
+      </p:nvGrpSpPr>
+      <p:grpSpPr>
+        <a:xfrm>
+          <a:off x="0" y="0"/>
+          <a:ext cx="0" cy="0"/>
+          <a:chOff x="0" y="0"/>
+          <a:chExt cx="0" cy="0"/>
+        </a:xfrm>
+      </p:grpSpPr>
+      <p:sp>
+        <p:nvSpPr>
+          <p:cNvPr id="34" name="正方形/長方形 33">
+            <a:extLst>
+              <a:ext uri="{FF2B5EF4-FFF2-40B4-BE49-F238E27FC236}">
+                <a16:creationId xmlns:a16="http://schemas.microsoft.com/office/drawing/2014/main" id="{1D7F2012-1C05-13D5-8652-916CE31324EF}"/>
+              </a:ext>
+            </a:extLst>
+          </p:cNvPr>
+          <p:cNvSpPr/>
+          <p:nvPr/>
+        </p:nvSpPr>
+        <p:spPr>
+          <a:xfrm rot="5400000">
+            <a:off x="3441309" y="2848659"/>
+            <a:ext cx="783099" cy="1692570"/>
+          </a:xfrm>
+          <a:prstGeom prst="rect">
+            <a:avLst/>
+          </a:prstGeom>
+          <a:gradFill>
+            <a:gsLst>
+              <a:gs pos="0">
+                <a:srgbClr val="7030A0">
+                  <a:alpha val="8000"/>
+                </a:srgbClr>
+              </a:gs>
+              <a:gs pos="74000">
+                <a:schemeClr val="accent1">
+                  <a:lumMod val="45000"/>
+                  <a:lumOff val="55000"/>
+                </a:schemeClr>
+              </a:gs>
+              <a:gs pos="83000">
+                <a:schemeClr val="accent1">
+                  <a:lumMod val="45000"/>
+                  <a:lumOff val="55000"/>
+                </a:schemeClr>
+              </a:gs>
+              <a:gs pos="100000">
+                <a:schemeClr val="accent1">
+                  <a:lumMod val="30000"/>
+                  <a:lumOff val="70000"/>
+                </a:schemeClr>
+              </a:gs>
+            </a:gsLst>
+            <a:lin ang="5400000" scaled="1"/>
+          </a:gradFill>
+        </p:spPr>
+        <p:style>
+          <a:lnRef idx="2">
+            <a:schemeClr val="accent1">
+              <a:shade val="50000"/>
+            </a:schemeClr>
+          </a:lnRef>
+          <a:fillRef idx="1">
+            <a:schemeClr val="accent1"/>
+          </a:fillRef>
+          <a:effectRef idx="0">
+            <a:schemeClr val="accent1"/>
+          </a:effectRef>
+          <a:fontRef idx="minor">
+            <a:schemeClr val="lt1"/>
+          </a:fontRef>
+        </p:style>
+        <p:txBody>
+          <a:bodyPr rtlCol="0" anchor="ctr"/>
+          <a:lstStyle/>
+          <a:p>
+            <a:pPr algn="ctr"/>
+            <a:endParaRPr kumimoji="1" lang="ja-JP" altLang="en-US"/>
+          </a:p>
+        </p:txBody>
+      </p:sp>
+      <p:sp>
+        <p:nvSpPr>
+          <p:cNvPr id="28" name="正方形/長方形 27">
+            <a:extLst>
+              <a:ext uri="{FF2B5EF4-FFF2-40B4-BE49-F238E27FC236}">
+                <a16:creationId xmlns:a16="http://schemas.microsoft.com/office/drawing/2014/main" id="{BF2B62E1-727D-5C15-435E-12848E4BCBD3}"/>
+              </a:ext>
+            </a:extLst>
+          </p:cNvPr>
+          <p:cNvSpPr/>
+          <p:nvPr/>
+        </p:nvSpPr>
+        <p:spPr>
+          <a:xfrm rot="5400000">
+            <a:off x="3270796" y="2966112"/>
+            <a:ext cx="783099" cy="1692570"/>
+          </a:xfrm>
+          <a:prstGeom prst="rect">
+            <a:avLst/>
+          </a:prstGeom>
+          <a:gradFill>
+            <a:gsLst>
+              <a:gs pos="0">
+                <a:srgbClr val="7030A0">
+                  <a:alpha val="8000"/>
+                </a:srgbClr>
+              </a:gs>
+              <a:gs pos="74000">
+                <a:schemeClr val="accent1">
+                  <a:lumMod val="45000"/>
+                  <a:lumOff val="55000"/>
+                </a:schemeClr>
+              </a:gs>
+              <a:gs pos="83000">
+                <a:schemeClr val="accent1">
+                  <a:lumMod val="45000"/>
+                  <a:lumOff val="55000"/>
+                </a:schemeClr>
+              </a:gs>
+              <a:gs pos="100000">
+                <a:schemeClr val="accent1">
+                  <a:lumMod val="30000"/>
+                  <a:lumOff val="70000"/>
+                </a:schemeClr>
+              </a:gs>
+            </a:gsLst>
+            <a:lin ang="5400000" scaled="1"/>
+          </a:gradFill>
+        </p:spPr>
+        <p:style>
+          <a:lnRef idx="2">
+            <a:schemeClr val="accent1">
+              <a:shade val="50000"/>
+            </a:schemeClr>
+          </a:lnRef>
+          <a:fillRef idx="1">
+            <a:schemeClr val="accent1"/>
+          </a:fillRef>
+          <a:effectRef idx="0">
+            <a:schemeClr val="accent1"/>
+          </a:effectRef>
+          <a:fontRef idx="minor">
+            <a:schemeClr val="lt1"/>
+          </a:fontRef>
+        </p:style>
+        <p:txBody>
+          <a:bodyPr rtlCol="0" anchor="ctr"/>
+          <a:lstStyle/>
+          <a:p>
+            <a:pPr algn="ctr"/>
+            <a:endParaRPr kumimoji="1" lang="ja-JP" altLang="en-US"/>
+          </a:p>
+        </p:txBody>
+      </p:sp>
+      <p:sp>
+        <p:nvSpPr>
+          <p:cNvPr id="20" name="正方形/長方形 19">
+            <a:extLst>
+              <a:ext uri="{FF2B5EF4-FFF2-40B4-BE49-F238E27FC236}">
+                <a16:creationId xmlns:a16="http://schemas.microsoft.com/office/drawing/2014/main" id="{B9DC94DD-5D17-5CB9-B3C9-EDE806021FEF}"/>
+              </a:ext>
+            </a:extLst>
+          </p:cNvPr>
+          <p:cNvSpPr/>
+          <p:nvPr/>
+        </p:nvSpPr>
+        <p:spPr>
+          <a:xfrm rot="5400000">
+            <a:off x="3100283" y="3078393"/>
+            <a:ext cx="783099" cy="1692570"/>
+          </a:xfrm>
+          <a:prstGeom prst="rect">
+            <a:avLst/>
+          </a:prstGeom>
+          <a:gradFill>
+            <a:gsLst>
+              <a:gs pos="0">
+                <a:srgbClr val="7030A0">
+                  <a:alpha val="8000"/>
+                </a:srgbClr>
+              </a:gs>
+              <a:gs pos="74000">
+                <a:schemeClr val="accent1">
+                  <a:lumMod val="45000"/>
+                  <a:lumOff val="55000"/>
+                </a:schemeClr>
+              </a:gs>
+              <a:gs pos="83000">
+                <a:schemeClr val="accent1">
+                  <a:lumMod val="45000"/>
+                  <a:lumOff val="55000"/>
+                </a:schemeClr>
+              </a:gs>
+              <a:gs pos="100000">
+                <a:schemeClr val="accent1">
+                  <a:lumMod val="30000"/>
+                  <a:lumOff val="70000"/>
+                </a:schemeClr>
+              </a:gs>
+            </a:gsLst>
+            <a:lin ang="5400000" scaled="1"/>
+          </a:gradFill>
+        </p:spPr>
+        <p:style>
+          <a:lnRef idx="2">
+            <a:schemeClr val="accent1">
+              <a:shade val="50000"/>
+            </a:schemeClr>
+          </a:lnRef>
+          <a:fillRef idx="1">
+            <a:schemeClr val="accent1"/>
+          </a:fillRef>
+          <a:effectRef idx="0">
+            <a:schemeClr val="accent1"/>
+          </a:effectRef>
+          <a:fontRef idx="minor">
+            <a:schemeClr val="lt1"/>
+          </a:fontRef>
+        </p:style>
+        <p:txBody>
+          <a:bodyPr rtlCol="0" anchor="ctr"/>
+          <a:lstStyle/>
+          <a:p>
+            <a:pPr algn="ctr"/>
+            <a:endParaRPr kumimoji="1" lang="ja-JP" altLang="en-US"/>
+          </a:p>
+        </p:txBody>
+      </p:sp>
+      <p:sp>
+        <p:nvSpPr>
+          <p:cNvPr id="25" name="正方形/長方形 24">
+            <a:extLst>
+              <a:ext uri="{FF2B5EF4-FFF2-40B4-BE49-F238E27FC236}">
+                <a16:creationId xmlns:a16="http://schemas.microsoft.com/office/drawing/2014/main" id="{CA3B75A2-3D1C-CBAE-7734-AC1B8ECDA1D3}"/>
+              </a:ext>
+            </a:extLst>
+          </p:cNvPr>
+          <p:cNvSpPr/>
+          <p:nvPr/>
+        </p:nvSpPr>
+        <p:spPr>
+          <a:xfrm rot="5400000">
+            <a:off x="-1715704" y="3660024"/>
+            <a:ext cx="576943" cy="2078232"/>
+          </a:xfrm>
+          <a:prstGeom prst="rect">
+            <a:avLst/>
+          </a:prstGeom>
+          <a:gradFill>
+            <a:gsLst>
+              <a:gs pos="0">
+                <a:srgbClr val="7030A0">
+                  <a:alpha val="8000"/>
+                </a:srgbClr>
+              </a:gs>
+              <a:gs pos="74000">
+                <a:schemeClr val="accent1">
+                  <a:lumMod val="45000"/>
+                  <a:lumOff val="55000"/>
+                </a:schemeClr>
+              </a:gs>
+              <a:gs pos="83000">
+                <a:schemeClr val="accent1">
+                  <a:lumMod val="45000"/>
+                  <a:lumOff val="55000"/>
+                </a:schemeClr>
+              </a:gs>
+              <a:gs pos="100000">
+                <a:schemeClr val="accent1">
+                  <a:lumMod val="30000"/>
+                  <a:lumOff val="70000"/>
+                </a:schemeClr>
+              </a:gs>
+            </a:gsLst>
+            <a:lin ang="5400000" scaled="1"/>
+          </a:gradFill>
+        </p:spPr>
+        <p:style>
+          <a:lnRef idx="2">
+            <a:schemeClr val="accent1">
+              <a:shade val="50000"/>
+            </a:schemeClr>
+          </a:lnRef>
+          <a:fillRef idx="1">
+            <a:schemeClr val="accent1"/>
+          </a:fillRef>
+          <a:effectRef idx="0">
+            <a:schemeClr val="accent1"/>
+          </a:effectRef>
+          <a:fontRef idx="minor">
+            <a:schemeClr val="lt1"/>
+          </a:fontRef>
+        </p:style>
+        <p:txBody>
+          <a:bodyPr rtlCol="0" anchor="ctr"/>
+          <a:lstStyle/>
+          <a:p>
+            <a:pPr algn="ctr"/>
+            <a:endParaRPr kumimoji="1" lang="ja-JP" altLang="en-US"/>
+          </a:p>
+        </p:txBody>
+      </p:sp>
+      <p:sp>
+        <p:nvSpPr>
+          <p:cNvPr id="24" name="正方形/長方形 23">
+            <a:extLst>
+              <a:ext uri="{FF2B5EF4-FFF2-40B4-BE49-F238E27FC236}">
+                <a16:creationId xmlns:a16="http://schemas.microsoft.com/office/drawing/2014/main" id="{0A4A2062-774B-7366-4D27-CEC4939D0AEB}"/>
+              </a:ext>
+            </a:extLst>
+          </p:cNvPr>
+          <p:cNvSpPr/>
+          <p:nvPr/>
+        </p:nvSpPr>
+        <p:spPr>
+          <a:xfrm rot="5400000">
+            <a:off x="-1844032" y="3748569"/>
+            <a:ext cx="576943" cy="2078232"/>
+          </a:xfrm>
+          <a:prstGeom prst="rect">
+            <a:avLst/>
+          </a:prstGeom>
+          <a:gradFill>
+            <a:gsLst>
+              <a:gs pos="0">
+                <a:srgbClr val="7030A0">
+                  <a:alpha val="8000"/>
+                </a:srgbClr>
+              </a:gs>
+              <a:gs pos="74000">
+                <a:schemeClr val="accent1">
+                  <a:lumMod val="45000"/>
+                  <a:lumOff val="55000"/>
+                </a:schemeClr>
+              </a:gs>
+              <a:gs pos="83000">
+                <a:schemeClr val="accent1">
+                  <a:lumMod val="45000"/>
+                  <a:lumOff val="55000"/>
+                </a:schemeClr>
+              </a:gs>
+              <a:gs pos="100000">
+                <a:schemeClr val="accent1">
+                  <a:lumMod val="30000"/>
+                  <a:lumOff val="70000"/>
+                </a:schemeClr>
+              </a:gs>
+            </a:gsLst>
+            <a:lin ang="5400000" scaled="1"/>
+          </a:gradFill>
+        </p:spPr>
+        <p:style>
+          <a:lnRef idx="2">
+            <a:schemeClr val="accent1">
+              <a:shade val="50000"/>
+            </a:schemeClr>
+          </a:lnRef>
+          <a:fillRef idx="1">
+            <a:schemeClr val="accent1"/>
+          </a:fillRef>
+          <a:effectRef idx="0">
+            <a:schemeClr val="accent1"/>
+          </a:effectRef>
+          <a:fontRef idx="minor">
+            <a:schemeClr val="lt1"/>
+          </a:fontRef>
+        </p:style>
+        <p:txBody>
+          <a:bodyPr rtlCol="0" anchor="ctr"/>
+          <a:lstStyle/>
+          <a:p>
+            <a:pPr algn="ctr"/>
+            <a:endParaRPr kumimoji="1" lang="ja-JP" altLang="en-US"/>
+          </a:p>
+        </p:txBody>
+      </p:sp>
+      <p:sp>
+        <p:nvSpPr>
+          <p:cNvPr id="21" name="正方形/長方形 20">
+            <a:extLst>
+              <a:ext uri="{FF2B5EF4-FFF2-40B4-BE49-F238E27FC236}">
+                <a16:creationId xmlns:a16="http://schemas.microsoft.com/office/drawing/2014/main" id="{9FA25949-DEF7-1D4D-E6D1-1D83D29DA673}"/>
+              </a:ext>
+            </a:extLst>
+          </p:cNvPr>
+          <p:cNvSpPr/>
+          <p:nvPr/>
+        </p:nvSpPr>
+        <p:spPr>
+          <a:xfrm rot="5400000">
+            <a:off x="-2032268" y="3837114"/>
+            <a:ext cx="576943" cy="2078232"/>
+          </a:xfrm>
+          <a:prstGeom prst="rect">
+            <a:avLst/>
+          </a:prstGeom>
+          <a:gradFill>
+            <a:gsLst>
+              <a:gs pos="0">
+                <a:srgbClr val="7030A0">
+                  <a:alpha val="8000"/>
+                </a:srgbClr>
+              </a:gs>
+              <a:gs pos="74000">
+                <a:schemeClr val="accent1">
+                  <a:lumMod val="45000"/>
+                  <a:lumOff val="55000"/>
+                </a:schemeClr>
+              </a:gs>
+              <a:gs pos="83000">
+                <a:schemeClr val="accent1">
+                  <a:lumMod val="45000"/>
+                  <a:lumOff val="55000"/>
+                </a:schemeClr>
+              </a:gs>
+              <a:gs pos="100000">
+                <a:schemeClr val="accent1">
+                  <a:lumMod val="30000"/>
+                  <a:lumOff val="70000"/>
+                </a:schemeClr>
+              </a:gs>
+            </a:gsLst>
+            <a:lin ang="5400000" scaled="1"/>
+          </a:gradFill>
+        </p:spPr>
+        <p:style>
+          <a:lnRef idx="2">
+            <a:schemeClr val="accent1">
+              <a:shade val="50000"/>
+            </a:schemeClr>
+          </a:lnRef>
+          <a:fillRef idx="1">
+            <a:schemeClr val="accent1"/>
+          </a:fillRef>
+          <a:effectRef idx="0">
+            <a:schemeClr val="accent1"/>
+          </a:effectRef>
+          <a:fontRef idx="minor">
+            <a:schemeClr val="lt1"/>
+          </a:fontRef>
+        </p:style>
+        <p:txBody>
+          <a:bodyPr rtlCol="0" anchor="ctr"/>
+          <a:lstStyle/>
+          <a:p>
+            <a:pPr algn="ctr"/>
+            <a:endParaRPr kumimoji="1" lang="ja-JP" altLang="en-US"/>
+          </a:p>
+        </p:txBody>
+      </p:sp>
+      <p:sp>
+        <p:nvSpPr>
+          <p:cNvPr id="17" name="正方形/長方形 16">
+            <a:extLst>
+              <a:ext uri="{FF2B5EF4-FFF2-40B4-BE49-F238E27FC236}">
+                <a16:creationId xmlns:a16="http://schemas.microsoft.com/office/drawing/2014/main" id="{17D82080-5CF4-D0BF-B0E9-D033077BBDF7}"/>
+              </a:ext>
+            </a:extLst>
+          </p:cNvPr>
+          <p:cNvSpPr/>
+          <p:nvPr/>
+        </p:nvSpPr>
+        <p:spPr>
+          <a:xfrm rot="5400000">
+            <a:off x="-1618788" y="2341397"/>
+            <a:ext cx="576943" cy="1884400"/>
+          </a:xfrm>
+          <a:prstGeom prst="rect">
+            <a:avLst/>
+          </a:prstGeom>
+          <a:gradFill>
+            <a:gsLst>
+              <a:gs pos="0">
+                <a:srgbClr val="7030A0">
+                  <a:alpha val="8000"/>
+                </a:srgbClr>
+              </a:gs>
+              <a:gs pos="74000">
+                <a:schemeClr val="accent1">
+                  <a:lumMod val="45000"/>
+                  <a:lumOff val="55000"/>
+                </a:schemeClr>
+              </a:gs>
+              <a:gs pos="83000">
+                <a:schemeClr val="accent1">
+                  <a:lumMod val="45000"/>
+                  <a:lumOff val="55000"/>
+                </a:schemeClr>
+              </a:gs>
+              <a:gs pos="100000">
+                <a:schemeClr val="accent1">
+                  <a:lumMod val="30000"/>
+                  <a:lumOff val="70000"/>
+                </a:schemeClr>
+              </a:gs>
+            </a:gsLst>
+            <a:lin ang="5400000" scaled="1"/>
+          </a:gradFill>
+        </p:spPr>
+        <p:style>
+          <a:lnRef idx="2">
+            <a:schemeClr val="accent1">
+              <a:shade val="50000"/>
+            </a:schemeClr>
+          </a:lnRef>
+          <a:fillRef idx="1">
+            <a:schemeClr val="accent1"/>
+          </a:fillRef>
+          <a:effectRef idx="0">
+            <a:schemeClr val="accent1"/>
+          </a:effectRef>
+          <a:fontRef idx="minor">
+            <a:schemeClr val="lt1"/>
+          </a:fontRef>
+        </p:style>
+        <p:txBody>
+          <a:bodyPr rtlCol="0" anchor="ctr"/>
+          <a:lstStyle/>
+          <a:p>
+            <a:pPr algn="ctr"/>
+            <a:endParaRPr kumimoji="1" lang="ja-JP" altLang="en-US"/>
+          </a:p>
+        </p:txBody>
+      </p:sp>
+      <p:sp>
+        <p:nvSpPr>
+          <p:cNvPr id="18" name="正方形/長方形 17">
+            <a:extLst>
+              <a:ext uri="{FF2B5EF4-FFF2-40B4-BE49-F238E27FC236}">
+                <a16:creationId xmlns:a16="http://schemas.microsoft.com/office/drawing/2014/main" id="{A8DE0C76-37E9-30F2-3A96-1C52955A5366}"/>
+              </a:ext>
+            </a:extLst>
+          </p:cNvPr>
+          <p:cNvSpPr/>
+          <p:nvPr/>
+        </p:nvSpPr>
+        <p:spPr>
+          <a:xfrm rot="5400000">
+            <a:off x="-1754861" y="2437373"/>
+            <a:ext cx="576943" cy="1884400"/>
+          </a:xfrm>
+          <a:prstGeom prst="rect">
+            <a:avLst/>
+          </a:prstGeom>
+          <a:gradFill>
+            <a:gsLst>
+              <a:gs pos="0">
+                <a:srgbClr val="7030A0">
+                  <a:alpha val="8000"/>
+                </a:srgbClr>
+              </a:gs>
+              <a:gs pos="74000">
+                <a:schemeClr val="accent1">
+                  <a:lumMod val="45000"/>
+                  <a:lumOff val="55000"/>
+                </a:schemeClr>
+              </a:gs>
+              <a:gs pos="83000">
+                <a:schemeClr val="accent1">
+                  <a:lumMod val="45000"/>
+                  <a:lumOff val="55000"/>
+                </a:schemeClr>
+              </a:gs>
+              <a:gs pos="100000">
+                <a:schemeClr val="accent1">
+                  <a:lumMod val="30000"/>
+                  <a:lumOff val="70000"/>
+                </a:schemeClr>
+              </a:gs>
+            </a:gsLst>
+            <a:lin ang="5400000" scaled="1"/>
+          </a:gradFill>
+        </p:spPr>
+        <p:style>
+          <a:lnRef idx="2">
+            <a:schemeClr val="accent1">
+              <a:shade val="50000"/>
+            </a:schemeClr>
+          </a:lnRef>
+          <a:fillRef idx="1">
+            <a:schemeClr val="accent1"/>
+          </a:fillRef>
+          <a:effectRef idx="0">
+            <a:schemeClr val="accent1"/>
+          </a:effectRef>
+          <a:fontRef idx="minor">
+            <a:schemeClr val="lt1"/>
+          </a:fontRef>
+        </p:style>
+        <p:txBody>
+          <a:bodyPr rtlCol="0" anchor="ctr"/>
+          <a:lstStyle/>
+          <a:p>
+            <a:pPr algn="ctr"/>
+            <a:endParaRPr kumimoji="1" lang="ja-JP" altLang="en-US"/>
+          </a:p>
+        </p:txBody>
+      </p:sp>
+      <p:sp>
+        <p:nvSpPr>
+          <p:cNvPr id="16" name="正方形/長方形 15">
+            <a:extLst>
+              <a:ext uri="{FF2B5EF4-FFF2-40B4-BE49-F238E27FC236}">
+                <a16:creationId xmlns:a16="http://schemas.microsoft.com/office/drawing/2014/main" id="{1F999479-DBE2-8D6D-89C9-48F24B41ECF8}"/>
+              </a:ext>
+            </a:extLst>
+          </p:cNvPr>
+          <p:cNvSpPr/>
+          <p:nvPr/>
+        </p:nvSpPr>
+        <p:spPr>
+          <a:xfrm rot="5400000">
+            <a:off x="-1907260" y="2533349"/>
+            <a:ext cx="576943" cy="1884400"/>
+          </a:xfrm>
+          <a:prstGeom prst="rect">
+            <a:avLst/>
+          </a:prstGeom>
+          <a:gradFill>
+            <a:gsLst>
+              <a:gs pos="0">
+                <a:srgbClr val="7030A0">
+                  <a:alpha val="8000"/>
+                </a:srgbClr>
+              </a:gs>
+              <a:gs pos="74000">
+                <a:schemeClr val="accent1">
+                  <a:lumMod val="45000"/>
+                  <a:lumOff val="55000"/>
+                </a:schemeClr>
+              </a:gs>
+              <a:gs pos="83000">
+                <a:schemeClr val="accent1">
+                  <a:lumMod val="45000"/>
+                  <a:lumOff val="55000"/>
+                </a:schemeClr>
+              </a:gs>
+              <a:gs pos="100000">
+                <a:schemeClr val="accent1">
+                  <a:lumMod val="30000"/>
+                  <a:lumOff val="70000"/>
+                </a:schemeClr>
+              </a:gs>
+            </a:gsLst>
+            <a:lin ang="5400000" scaled="1"/>
+          </a:gradFill>
+        </p:spPr>
+        <p:style>
+          <a:lnRef idx="2">
+            <a:schemeClr val="accent1">
+              <a:shade val="50000"/>
+            </a:schemeClr>
+          </a:lnRef>
+          <a:fillRef idx="1">
+            <a:schemeClr val="accent1"/>
+          </a:fillRef>
+          <a:effectRef idx="0">
+            <a:schemeClr val="accent1"/>
+          </a:effectRef>
+          <a:fontRef idx="minor">
+            <a:schemeClr val="lt1"/>
+          </a:fontRef>
+        </p:style>
+        <p:txBody>
+          <a:bodyPr rtlCol="0" anchor="ctr"/>
+          <a:lstStyle/>
+          <a:p>
+            <a:pPr algn="ctr"/>
+            <a:endParaRPr kumimoji="1" lang="ja-JP" altLang="en-US"/>
+          </a:p>
+        </p:txBody>
+      </p:sp>
+      <p:pic>
+        <p:nvPicPr>
+          <p:cNvPr id="7" name="図 6" descr="黒い背景に白い文字がある&#10;&#10;中程度の精度で自動的に生成された説明">
+            <a:extLst>
+              <a:ext uri="{FF2B5EF4-FFF2-40B4-BE49-F238E27FC236}">
+                <a16:creationId xmlns:a16="http://schemas.microsoft.com/office/drawing/2014/main" id="{DEAA2997-0CEF-B3F7-7D83-3A680D7B0B00}"/>
+              </a:ext>
+            </a:extLst>
+          </p:cNvPr>
+          <p:cNvPicPr>
+            <a:picLocks noChangeAspect="1"/>
+          </p:cNvPicPr>
+          <p:nvPr/>
+        </p:nvPicPr>
+        <p:blipFill rotWithShape="1">
+          <a:blip r:embed="rId2"/>
+          <a:srcRect l="44521" t="19717" r="46864" b="16685"/>
+          <a:stretch/>
+        </p:blipFill>
+        <p:spPr>
+          <a:xfrm rot="5400000">
+            <a:off x="-2212497" y="3925658"/>
+            <a:ext cx="659124" cy="2078233"/>
+          </a:xfrm>
+          <a:prstGeom prst="rect">
+            <a:avLst/>
+          </a:prstGeom>
+        </p:spPr>
+      </p:pic>
+      <p:pic>
+        <p:nvPicPr>
+          <p:cNvPr id="11" name="図 10" descr="黒い背景とぼやけた写真&#10;&#10;中程度の精度で自動的に生成された説明">
+            <a:extLst>
+              <a:ext uri="{FF2B5EF4-FFF2-40B4-BE49-F238E27FC236}">
+                <a16:creationId xmlns:a16="http://schemas.microsoft.com/office/drawing/2014/main" id="{6F1C19B2-057C-208B-B9B2-5AF1977AA445}"/>
+              </a:ext>
+            </a:extLst>
+          </p:cNvPr>
+          <p:cNvPicPr>
+            <a:picLocks noChangeAspect="1"/>
+          </p:cNvPicPr>
+          <p:nvPr/>
+        </p:nvPicPr>
+        <p:blipFill>
+          <a:blip r:embed="rId3"/>
+          <a:stretch>
+            <a:fillRect/>
+          </a:stretch>
+        </p:blipFill>
+        <p:spPr>
+          <a:xfrm rot="5400000">
+            <a:off x="-2174312" y="2681500"/>
+            <a:ext cx="707923" cy="1884400"/>
+          </a:xfrm>
+          <a:prstGeom prst="rect">
+            <a:avLst/>
+          </a:prstGeom>
+        </p:spPr>
+      </p:pic>
       <p:cxnSp>
         <p:nvCxnSpPr>
-          <p:cNvPr id="73" name="直線矢印コネクタ 72">
-            <a:extLst>
-              <a:ext uri="{FF2B5EF4-FFF2-40B4-BE49-F238E27FC236}">
-                <a16:creationId xmlns:a16="http://schemas.microsoft.com/office/drawing/2014/main" id="{16C7596A-8DEE-1759-BEBB-38B3F9473C6B}"/>
+          <p:cNvPr id="22" name="直線矢印コネクタ 21">
+            <a:extLst>
+              <a:ext uri="{FF2B5EF4-FFF2-40B4-BE49-F238E27FC236}">
+                <a16:creationId xmlns:a16="http://schemas.microsoft.com/office/drawing/2014/main" id="{D12D274F-4FD0-52E6-2666-2D18890C4753}"/>
               </a:ext>
             </a:extLst>
           </p:cNvPr>
           <p:cNvCxnSpPr>
             <a:cxnSpLocks/>
+            <a:stCxn id="17" idx="0"/>
           </p:cNvCxnSpPr>
           <p:nvPr/>
         </p:nvCxnSpPr>
         <p:spPr>
           <a:xfrm>
-            <a:off x="9829272" y="3704845"/>
-            <a:ext cx="0" cy="364294"/>
+            <a:off x="-388116" y="3283598"/>
+            <a:ext cx="391058" cy="9778"/>
           </a:xfrm>
           <a:prstGeom prst="straightConnector1">
             <a:avLst/>
@@ -5177,12 +6162,140 @@
           </a:fontRef>
         </p:style>
       </p:cxnSp>
-      <p:sp>
-        <p:nvSpPr>
-          <p:cNvPr id="79" name="正方形/長方形 78">
-            <a:extLst>
-              <a:ext uri="{FF2B5EF4-FFF2-40B4-BE49-F238E27FC236}">
-                <a16:creationId xmlns:a16="http://schemas.microsoft.com/office/drawing/2014/main" id="{C456D3CB-2DEA-8F69-D444-A0B69EE90F4E}"/>
+      <p:cxnSp>
+        <p:nvCxnSpPr>
+          <p:cNvPr id="23" name="直線矢印コネクタ 22">
+            <a:extLst>
+              <a:ext uri="{FF2B5EF4-FFF2-40B4-BE49-F238E27FC236}">
+                <a16:creationId xmlns:a16="http://schemas.microsoft.com/office/drawing/2014/main" id="{BC4D818A-29A7-FE50-1542-56C9326FEFAD}"/>
+              </a:ext>
+            </a:extLst>
+          </p:cNvPr>
+          <p:cNvCxnSpPr>
+            <a:cxnSpLocks/>
+          </p:cNvCxnSpPr>
+          <p:nvPr/>
+        </p:nvCxnSpPr>
+        <p:spPr>
+          <a:xfrm>
+            <a:off x="-374692" y="4699141"/>
+            <a:ext cx="388292" cy="0"/>
+          </a:xfrm>
+          <a:prstGeom prst="straightConnector1">
+            <a:avLst/>
+          </a:prstGeom>
+          <a:ln w="38100">
+            <a:solidFill>
+              <a:srgbClr val="00B0F0"/>
+            </a:solidFill>
+            <a:tailEnd type="triangle"/>
+          </a:ln>
+        </p:spPr>
+        <p:style>
+          <a:lnRef idx="1">
+            <a:schemeClr val="accent1"/>
+          </a:lnRef>
+          <a:fillRef idx="0">
+            <a:schemeClr val="accent1"/>
+          </a:fillRef>
+          <a:effectRef idx="0">
+            <a:schemeClr val="accent1"/>
+          </a:effectRef>
+          <a:fontRef idx="minor">
+            <a:schemeClr val="tx1"/>
+          </a:fontRef>
+        </p:style>
+      </p:cxnSp>
+      <p:sp>
+        <p:nvSpPr>
+          <p:cNvPr id="31" name="テキスト ボックス 30">
+            <a:extLst>
+              <a:ext uri="{FF2B5EF4-FFF2-40B4-BE49-F238E27FC236}">
+                <a16:creationId xmlns:a16="http://schemas.microsoft.com/office/drawing/2014/main" id="{48AAB434-3B9B-1B39-8857-299F45F084AC}"/>
+              </a:ext>
+            </a:extLst>
+          </p:cNvPr>
+          <p:cNvSpPr txBox="1"/>
+          <p:nvPr/>
+        </p:nvSpPr>
+        <p:spPr>
+          <a:xfrm>
+            <a:off x="-2466349" y="3967655"/>
+            <a:ext cx="1570538" cy="338554"/>
+          </a:xfrm>
+          <a:prstGeom prst="rect">
+            <a:avLst/>
+          </a:prstGeom>
+          <a:noFill/>
+        </p:spPr>
+        <p:txBody>
+          <a:bodyPr wrap="square" rtlCol="0">
+            <a:spAutoFit/>
+          </a:bodyPr>
+          <a:lstStyle/>
+          <a:p>
+            <a:r>
+              <a:rPr kumimoji="1" lang="en-US" altLang="ja-JP" sz="1600" b="1" dirty="0">
+                <a:latin typeface="Arial" panose="020B0604020202020204" pitchFamily="34" charset="0"/>
+                <a:cs typeface="Arial" panose="020B0604020202020204" pitchFamily="34" charset="0"/>
+              </a:rPr>
+              <a:t>SLDEM 2015</a:t>
+            </a:r>
+            <a:endParaRPr kumimoji="1" lang="ja-JP" altLang="en-US" sz="1600" b="1">
+              <a:latin typeface="Arial" panose="020B0604020202020204" pitchFamily="34" charset="0"/>
+              <a:cs typeface="Arial" panose="020B0604020202020204" pitchFamily="34" charset="0"/>
+            </a:endParaRPr>
+          </a:p>
+        </p:txBody>
+      </p:sp>
+      <p:sp>
+        <p:nvSpPr>
+          <p:cNvPr id="32" name="テキスト ボックス 31">
+            <a:extLst>
+              <a:ext uri="{FF2B5EF4-FFF2-40B4-BE49-F238E27FC236}">
+                <a16:creationId xmlns:a16="http://schemas.microsoft.com/office/drawing/2014/main" id="{AD0C3A98-3249-F813-A959-24EEC9F88EEE}"/>
+              </a:ext>
+            </a:extLst>
+          </p:cNvPr>
+          <p:cNvSpPr txBox="1"/>
+          <p:nvPr/>
+        </p:nvSpPr>
+        <p:spPr>
+          <a:xfrm>
+            <a:off x="-2854138" y="5269161"/>
+            <a:ext cx="2554058" cy="338554"/>
+          </a:xfrm>
+          <a:prstGeom prst="rect">
+            <a:avLst/>
+          </a:prstGeom>
+          <a:noFill/>
+        </p:spPr>
+        <p:txBody>
+          <a:bodyPr wrap="square" rtlCol="0">
+            <a:spAutoFit/>
+          </a:bodyPr>
+          <a:lstStyle/>
+          <a:p>
+            <a:r>
+              <a:rPr lang="en-US" altLang="ja-JP" sz="1600" b="1" dirty="0">
+                <a:latin typeface="Arial" panose="020B0604020202020204" pitchFamily="34" charset="0"/>
+                <a:cs typeface="Arial" panose="020B0604020202020204" pitchFamily="34" charset="0"/>
+              </a:rPr>
+              <a:t>LRO NAC Orthoimage</a:t>
+            </a:r>
+            <a:endParaRPr kumimoji="1" lang="ja-JP" altLang="en-US" sz="1600" b="1">
+              <a:latin typeface="Arial" panose="020B0604020202020204" pitchFamily="34" charset="0"/>
+              <a:cs typeface="Arial" panose="020B0604020202020204" pitchFamily="34" charset="0"/>
+            </a:endParaRPr>
+          </a:p>
+        </p:txBody>
+      </p:sp>
+      <p:sp>
+        <p:nvSpPr>
+          <p:cNvPr id="2" name="正方形/長方形 1">
+            <a:extLst>
+              <a:ext uri="{FF2B5EF4-FFF2-40B4-BE49-F238E27FC236}">
+                <a16:creationId xmlns:a16="http://schemas.microsoft.com/office/drawing/2014/main" id="{5E22E8DB-9677-EABC-BD34-C0D2B95D83A0}"/>
               </a:ext>
             </a:extLst>
           </p:cNvPr>
@@ -5191,8 +6304,8 @@
         </p:nvSpPr>
         <p:spPr>
           <a:xfrm>
-            <a:off x="9026416" y="4058701"/>
-            <a:ext cx="1429250" cy="927144"/>
+            <a:off x="-20948" y="2905994"/>
+            <a:ext cx="1692571" cy="1061650"/>
           </a:xfrm>
           <a:prstGeom prst="rect">
             <a:avLst/>
@@ -5226,6 +6339,16 @@
           <a:p>
             <a:pPr algn="ctr"/>
             <a:r>
+              <a:rPr lang="en-US" altLang="ja-JP" sz="1600" b="1" dirty="0" err="1">
+                <a:solidFill>
+                  <a:sysClr val="windowText" lastClr="000000"/>
+                </a:solidFill>
+                <a:latin typeface="Arial" panose="020B0604020202020204" pitchFamily="34" charset="0"/>
+                <a:cs typeface="Arial" panose="020B0604020202020204" pitchFamily="34" charset="0"/>
+              </a:rPr>
+              <a:t>Downsampling</a:t>
+            </a:r>
+            <a:r>
               <a:rPr lang="en-US" altLang="ja-JP" sz="1600" b="1" dirty="0">
                 <a:solidFill>
                   <a:sysClr val="windowText" lastClr="000000"/>
@@ -5233,22 +6356,96 @@
                 <a:latin typeface="Arial" panose="020B0604020202020204" pitchFamily="34" charset="0"/>
                 <a:cs typeface="Arial" panose="020B0604020202020204" pitchFamily="34" charset="0"/>
               </a:rPr>
-              <a:t>Apply</a:t>
+              <a:t>, Cutting,</a:t>
             </a:r>
           </a:p>
           <a:p>
             <a:pPr algn="ctr"/>
             <a:r>
-              <a:rPr kumimoji="1" lang="en-US" altLang="ja-JP" sz="1600" b="1" dirty="0">
+              <a:rPr lang="en-US" altLang="ja-JP" sz="1600" b="1" dirty="0">
                 <a:solidFill>
                   <a:sysClr val="windowText" lastClr="000000"/>
                 </a:solidFill>
                 <a:latin typeface="Arial" panose="020B0604020202020204" pitchFamily="34" charset="0"/>
                 <a:cs typeface="Arial" panose="020B0604020202020204" pitchFamily="34" charset="0"/>
               </a:rPr>
-              <a:t>SFS to DTM</a:t>
-            </a:r>
-            <a:endParaRPr kumimoji="1" lang="ja-JP" altLang="en-US" sz="1600" b="1">
+              <a:t>  &amp; histogram smoothing</a:t>
+            </a:r>
+          </a:p>
+        </p:txBody>
+      </p:sp>
+      <p:sp>
+        <p:nvSpPr>
+          <p:cNvPr id="3" name="正方形/長方形 2">
+            <a:extLst>
+              <a:ext uri="{FF2B5EF4-FFF2-40B4-BE49-F238E27FC236}">
+                <a16:creationId xmlns:a16="http://schemas.microsoft.com/office/drawing/2014/main" id="{87373693-2987-0A54-F415-EED00CB02250}"/>
+              </a:ext>
+            </a:extLst>
+          </p:cNvPr>
+          <p:cNvSpPr/>
+          <p:nvPr/>
+        </p:nvSpPr>
+        <p:spPr>
+          <a:xfrm>
+            <a:off x="0" y="4265894"/>
+            <a:ext cx="1593215" cy="896817"/>
+          </a:xfrm>
+          <a:prstGeom prst="rect">
+            <a:avLst/>
+          </a:prstGeom>
+          <a:noFill/>
+          <a:ln w="38100">
+            <a:solidFill>
+              <a:srgbClr val="00B0F0"/>
+            </a:solidFill>
+          </a:ln>
+        </p:spPr>
+        <p:style>
+          <a:lnRef idx="2">
+            <a:schemeClr val="accent1">
+              <a:shade val="50000"/>
+            </a:schemeClr>
+          </a:lnRef>
+          <a:fillRef idx="1">
+            <a:schemeClr val="accent1"/>
+          </a:fillRef>
+          <a:effectRef idx="0">
+            <a:schemeClr val="accent1"/>
+          </a:effectRef>
+          <a:fontRef idx="minor">
+            <a:schemeClr val="lt1"/>
+          </a:fontRef>
+        </p:style>
+        <p:txBody>
+          <a:bodyPr rtlCol="0" anchor="ctr"/>
+          <a:lstStyle/>
+          <a:p>
+            <a:pPr algn="ctr"/>
+            <a:r>
+              <a:rPr lang="en-US" altLang="ja-JP" sz="1600" b="1" dirty="0">
+                <a:solidFill>
+                  <a:sysClr val="windowText" lastClr="000000"/>
+                </a:solidFill>
+                <a:latin typeface="Arial" panose="020B0604020202020204" pitchFamily="34" charset="0"/>
+                <a:cs typeface="Arial" panose="020B0604020202020204" pitchFamily="34" charset="0"/>
+              </a:rPr>
+              <a:t>Cutting </a:t>
+            </a:r>
+          </a:p>
+          <a:p>
+            <a:pPr algn="ctr"/>
+            <a:r>
+              <a:rPr lang="en-US" altLang="ja-JP" sz="1600" b="1" dirty="0">
+                <a:solidFill>
+                  <a:sysClr val="windowText" lastClr="000000"/>
+                </a:solidFill>
+                <a:latin typeface="Arial" panose="020B0604020202020204" pitchFamily="34" charset="0"/>
+                <a:cs typeface="Arial" panose="020B0604020202020204" pitchFamily="34" charset="0"/>
+              </a:rPr>
+              <a:t>&amp; histogram smoothing</a:t>
+            </a:r>
+            <a:endParaRPr kumimoji="1" lang="en-US" altLang="ja-JP" sz="1600" b="1" dirty="0">
               <a:solidFill>
                 <a:sysClr val="windowText" lastClr="000000"/>
               </a:solidFill>
@@ -5258,12 +6455,225 @@
           </a:p>
         </p:txBody>
       </p:sp>
+      <p:pic>
+        <p:nvPicPr>
+          <p:cNvPr id="4" name="図 3" descr="座る, 食品, テーブル, 皿 が含まれている画像&#10;&#10;自動的に生成された説明">
+            <a:extLst>
+              <a:ext uri="{FF2B5EF4-FFF2-40B4-BE49-F238E27FC236}">
+                <a16:creationId xmlns:a16="http://schemas.microsoft.com/office/drawing/2014/main" id="{3041EBB9-F500-AE70-3C4B-E1BE2DCC4DA5}"/>
+              </a:ext>
+            </a:extLst>
+          </p:cNvPr>
+          <p:cNvPicPr>
+            <a:picLocks/>
+          </p:cNvPicPr>
+          <p:nvPr/>
+        </p:nvPicPr>
+        <p:blipFill rotWithShape="1">
+          <a:blip r:embed="rId4">
+            <a:extLst>
+              <a:ext uri="{28A0092B-C50C-407E-A947-70E740481C1C}">
+                <a14:useLocalDpi xmlns:a14="http://schemas.microsoft.com/office/drawing/2010/main" val="0"/>
+              </a:ext>
+            </a:extLst>
+          </a:blip>
+          <a:srcRect l="15983" b="12804"/>
+          <a:stretch/>
+        </p:blipFill>
+        <p:spPr>
+          <a:xfrm rot="5400000">
+            <a:off x="2527300" y="3585701"/>
+            <a:ext cx="792000" cy="792000"/>
+          </a:xfrm>
+          <a:prstGeom prst="rect">
+            <a:avLst/>
+          </a:prstGeom>
+        </p:spPr>
+      </p:pic>
+      <p:pic>
+        <p:nvPicPr>
+          <p:cNvPr id="5" name="図 4" descr="白黒の写真&#10;&#10;中程度の精度で自動的に生成された説明">
+            <a:extLst>
+              <a:ext uri="{FF2B5EF4-FFF2-40B4-BE49-F238E27FC236}">
+                <a16:creationId xmlns:a16="http://schemas.microsoft.com/office/drawing/2014/main" id="{B16DFAED-6C9D-EA86-D26A-BC24994CB54F}"/>
+              </a:ext>
+            </a:extLst>
+          </p:cNvPr>
+          <p:cNvPicPr>
+            <a:picLocks noChangeAspect="1"/>
+          </p:cNvPicPr>
+          <p:nvPr/>
+        </p:nvPicPr>
+        <p:blipFill rotWithShape="1">
+          <a:blip r:embed="rId5">
+            <a:extLst>
+              <a:ext uri="{28A0092B-C50C-407E-A947-70E740481C1C}">
+                <a14:useLocalDpi xmlns:a14="http://schemas.microsoft.com/office/drawing/2010/main" val="0"/>
+              </a:ext>
+            </a:extLst>
+          </a:blip>
+          <a:srcRect t="7228" b="8364"/>
+          <a:stretch/>
+        </p:blipFill>
+        <p:spPr>
+          <a:xfrm rot="5400000">
+            <a:off x="3320567" y="3581070"/>
+            <a:ext cx="790647" cy="793181"/>
+          </a:xfrm>
+          <a:prstGeom prst="rect">
+            <a:avLst/>
+          </a:prstGeom>
+        </p:spPr>
+      </p:pic>
       <p:cxnSp>
         <p:nvCxnSpPr>
-          <p:cNvPr id="80" name="直線矢印コネクタ 79">
-            <a:extLst>
-              <a:ext uri="{FF2B5EF4-FFF2-40B4-BE49-F238E27FC236}">
-                <a16:creationId xmlns:a16="http://schemas.microsoft.com/office/drawing/2014/main" id="{90360B8D-BE8F-8D94-0AF3-6A8057544E26}"/>
+          <p:cNvPr id="10" name="カギ線コネクタ 9">
+            <a:extLst>
+              <a:ext uri="{FF2B5EF4-FFF2-40B4-BE49-F238E27FC236}">
+                <a16:creationId xmlns:a16="http://schemas.microsoft.com/office/drawing/2014/main" id="{1B06578F-3D8F-13E3-9054-DB831E8552A6}"/>
+              </a:ext>
+            </a:extLst>
+          </p:cNvPr>
+          <p:cNvCxnSpPr>
+            <a:cxnSpLocks/>
+            <a:stCxn id="3" idx="3"/>
+          </p:cNvCxnSpPr>
+          <p:nvPr/>
+        </p:nvCxnSpPr>
+        <p:spPr>
+          <a:xfrm flipV="1">
+            <a:off x="1593215" y="3977661"/>
+            <a:ext cx="903333" cy="736642"/>
+          </a:xfrm>
+          <a:prstGeom prst="bentConnector3">
+            <a:avLst>
+              <a:gd name="adj1" fmla="val 52131"/>
+            </a:avLst>
+          </a:prstGeom>
+          <a:ln w="38100">
+            <a:solidFill>
+              <a:srgbClr val="00B0F0"/>
+            </a:solidFill>
+            <a:tailEnd type="triangle"/>
+          </a:ln>
+        </p:spPr>
+        <p:style>
+          <a:lnRef idx="1">
+            <a:schemeClr val="accent1"/>
+          </a:lnRef>
+          <a:fillRef idx="0">
+            <a:schemeClr val="accent1"/>
+          </a:fillRef>
+          <a:effectRef idx="0">
+            <a:schemeClr val="accent1"/>
+          </a:effectRef>
+          <a:fontRef idx="minor">
+            <a:schemeClr val="tx1"/>
+          </a:fontRef>
+        </p:style>
+      </p:cxnSp>
+      <p:cxnSp>
+        <p:nvCxnSpPr>
+          <p:cNvPr id="14" name="カギ線コネクタ 13">
+            <a:extLst>
+              <a:ext uri="{FF2B5EF4-FFF2-40B4-BE49-F238E27FC236}">
+                <a16:creationId xmlns:a16="http://schemas.microsoft.com/office/drawing/2014/main" id="{C0F81877-22DF-F5A4-B87F-2D1FB88D35E3}"/>
+              </a:ext>
+            </a:extLst>
+          </p:cNvPr>
+          <p:cNvCxnSpPr>
+            <a:cxnSpLocks/>
+            <a:stCxn id="2" idx="3"/>
+          </p:cNvCxnSpPr>
+          <p:nvPr/>
+        </p:nvCxnSpPr>
+        <p:spPr>
+          <a:xfrm>
+            <a:off x="1671623" y="3436819"/>
+            <a:ext cx="824925" cy="540842"/>
+          </a:xfrm>
+          <a:prstGeom prst="bentConnector3">
+            <a:avLst>
+              <a:gd name="adj1" fmla="val 46243"/>
+            </a:avLst>
+          </a:prstGeom>
+          <a:ln w="38100">
+            <a:solidFill>
+              <a:srgbClr val="00B0F0"/>
+            </a:solidFill>
+            <a:tailEnd type="triangle"/>
+          </a:ln>
+        </p:spPr>
+        <p:style>
+          <a:lnRef idx="1">
+            <a:schemeClr val="accent1"/>
+          </a:lnRef>
+          <a:fillRef idx="0">
+            <a:schemeClr val="accent1"/>
+          </a:fillRef>
+          <a:effectRef idx="0">
+            <a:schemeClr val="accent1"/>
+          </a:effectRef>
+          <a:fontRef idx="minor">
+            <a:schemeClr val="tx1"/>
+          </a:fontRef>
+        </p:style>
+      </p:cxnSp>
+      <p:sp>
+        <p:nvSpPr>
+          <p:cNvPr id="35" name="テキスト ボックス 34">
+            <a:extLst>
+              <a:ext uri="{FF2B5EF4-FFF2-40B4-BE49-F238E27FC236}">
+                <a16:creationId xmlns:a16="http://schemas.microsoft.com/office/drawing/2014/main" id="{B78A8BC4-16A0-FFB0-3507-CB4A3D3C2832}"/>
+              </a:ext>
+            </a:extLst>
+          </p:cNvPr>
+          <p:cNvSpPr txBox="1"/>
+          <p:nvPr/>
+        </p:nvSpPr>
+        <p:spPr>
+          <a:xfrm>
+            <a:off x="2448110" y="4589514"/>
+            <a:ext cx="2109580" cy="340084"/>
+          </a:xfrm>
+          <a:prstGeom prst="rect">
+            <a:avLst/>
+          </a:prstGeom>
+          <a:noFill/>
+        </p:spPr>
+        <p:txBody>
+          <a:bodyPr wrap="square" rtlCol="0">
+            <a:spAutoFit/>
+          </a:bodyPr>
+          <a:lstStyle/>
+          <a:p>
+            <a:r>
+              <a:rPr lang="en-US" altLang="ja-JP" sz="1600" b="1" dirty="0">
+                <a:latin typeface="Arial" panose="020B0604020202020204" pitchFamily="34" charset="0"/>
+                <a:cs typeface="Arial" panose="020B0604020202020204" pitchFamily="34" charset="0"/>
+              </a:rPr>
+              <a:t>dataset </a:t>
+            </a:r>
+            <a:r>
+              <a:rPr kumimoji="1" lang="en-US" altLang="ja-JP" sz="1600" b="1" dirty="0">
+                <a:latin typeface="Arial" panose="020B0604020202020204" pitchFamily="34" charset="0"/>
+                <a:cs typeface="Arial" panose="020B0604020202020204" pitchFamily="34" charset="0"/>
+              </a:rPr>
+              <a:t>for Pix2Pix</a:t>
+            </a:r>
+            <a:endParaRPr kumimoji="1" lang="ja-JP" altLang="en-US" sz="1600" b="1">
+              <a:latin typeface="Arial" panose="020B0604020202020204" pitchFamily="34" charset="0"/>
+              <a:cs typeface="Arial" panose="020B0604020202020204" pitchFamily="34" charset="0"/>
+            </a:endParaRPr>
+          </a:p>
+        </p:txBody>
+      </p:sp>
+      <p:cxnSp>
+        <p:nvCxnSpPr>
+          <p:cNvPr id="36" name="直線矢印コネクタ 35">
+            <a:extLst>
+              <a:ext uri="{FF2B5EF4-FFF2-40B4-BE49-F238E27FC236}">
+                <a16:creationId xmlns:a16="http://schemas.microsoft.com/office/drawing/2014/main" id="{6C40139A-2522-7936-B6A3-4FA04967414F}"/>
               </a:ext>
             </a:extLst>
           </p:cNvPr>
@@ -5274,8 +6684,8 @@
         </p:nvCxnSpPr>
         <p:spPr>
           <a:xfrm>
-            <a:off x="10455666" y="4457013"/>
-            <a:ext cx="785725" cy="0"/>
+            <a:off x="4688701" y="3977661"/>
+            <a:ext cx="357620" cy="0"/>
           </a:xfrm>
           <a:prstGeom prst="straightConnector1">
             <a:avLst/>
@@ -5304,52 +6714,10 @@
       </p:cxnSp>
       <p:sp>
         <p:nvSpPr>
-          <p:cNvPr id="82" name="テキスト ボックス 81">
-            <a:extLst>
-              <a:ext uri="{FF2B5EF4-FFF2-40B4-BE49-F238E27FC236}">
-                <a16:creationId xmlns:a16="http://schemas.microsoft.com/office/drawing/2014/main" id="{FD769570-E42D-F4EE-430A-65A9C1EAB085}"/>
-              </a:ext>
-            </a:extLst>
-          </p:cNvPr>
-          <p:cNvSpPr txBox="1"/>
-          <p:nvPr/>
-        </p:nvSpPr>
-        <p:spPr>
-          <a:xfrm>
-            <a:off x="10412151" y="4105589"/>
-            <a:ext cx="872756" cy="338554"/>
-          </a:xfrm>
-          <a:prstGeom prst="rect">
-            <a:avLst/>
-          </a:prstGeom>
-          <a:noFill/>
-        </p:spPr>
-        <p:txBody>
-          <a:bodyPr wrap="square" rtlCol="0">
-            <a:spAutoFit/>
-          </a:bodyPr>
-          <a:lstStyle/>
-          <a:p>
-            <a:r>
-              <a:rPr kumimoji="1" lang="en-US" altLang="ja-JP" sz="1600" b="1" dirty="0">
-                <a:latin typeface="Arial" panose="020B0604020202020204" pitchFamily="34" charset="0"/>
-                <a:cs typeface="Arial" panose="020B0604020202020204" pitchFamily="34" charset="0"/>
-              </a:rPr>
-              <a:t>output</a:t>
-            </a:r>
-            <a:endParaRPr kumimoji="1" lang="ja-JP" altLang="en-US" sz="1600" b="1">
-              <a:latin typeface="Arial" panose="020B0604020202020204" pitchFamily="34" charset="0"/>
-              <a:cs typeface="Arial" panose="020B0604020202020204" pitchFamily="34" charset="0"/>
-            </a:endParaRPr>
-          </a:p>
-        </p:txBody>
-      </p:sp>
-      <p:sp>
-        <p:nvSpPr>
-          <p:cNvPr id="86" name="平行四辺形 85">
-            <a:extLst>
-              <a:ext uri="{FF2B5EF4-FFF2-40B4-BE49-F238E27FC236}">
-                <a16:creationId xmlns:a16="http://schemas.microsoft.com/office/drawing/2014/main" id="{E75DFDD5-BEE7-B7B9-1B97-4DC465705366}"/>
+          <p:cNvPr id="40" name="正方形/長方形 39">
+            <a:extLst>
+              <a:ext uri="{FF2B5EF4-FFF2-40B4-BE49-F238E27FC236}">
+                <a16:creationId xmlns:a16="http://schemas.microsoft.com/office/drawing/2014/main" id="{25493C9C-4D14-81FC-D93D-E30227D435FD}"/>
               </a:ext>
             </a:extLst>
           </p:cNvPr>
@@ -5358,16 +6726,16 @@
         </p:nvSpPr>
         <p:spPr>
           <a:xfrm>
-            <a:off x="11172252" y="4105589"/>
-            <a:ext cx="975479" cy="718076"/>
-          </a:xfrm>
-          <a:prstGeom prst="parallelogram">
+            <a:off x="5046321" y="3485568"/>
+            <a:ext cx="1169233" cy="927144"/>
+          </a:xfrm>
+          <a:prstGeom prst="rect">
             <a:avLst/>
           </a:prstGeom>
           <a:noFill/>
           <a:ln w="38100">
             <a:solidFill>
-              <a:srgbClr val="FF303C"/>
+              <a:srgbClr val="00B0F0"/>
             </a:solidFill>
           </a:ln>
         </p:spPr>
@@ -5392,31 +6760,368 @@
           <a:lstStyle/>
           <a:p>
             <a:pPr algn="ctr"/>
-            <a:endParaRPr kumimoji="1" lang="ja-JP" altLang="en-US"/>
-          </a:p>
-        </p:txBody>
-      </p:sp>
-      <p:sp>
-        <p:nvSpPr>
-          <p:cNvPr id="88" name="テキスト ボックス 87">
-            <a:extLst>
-              <a:ext uri="{FF2B5EF4-FFF2-40B4-BE49-F238E27FC236}">
-                <a16:creationId xmlns:a16="http://schemas.microsoft.com/office/drawing/2014/main" id="{35726088-FEA9-F219-C068-9F5E780703BB}"/>
-              </a:ext>
-            </a:extLst>
-          </p:cNvPr>
-          <p:cNvSpPr txBox="1"/>
+            <a:r>
+              <a:rPr lang="en-US" altLang="ja-JP" sz="1600" b="1" dirty="0">
+                <a:solidFill>
+                  <a:sysClr val="windowText" lastClr="000000"/>
+                </a:solidFill>
+                <a:latin typeface="Arial" panose="020B0604020202020204" pitchFamily="34" charset="0"/>
+                <a:cs typeface="Arial" panose="020B0604020202020204" pitchFamily="34" charset="0"/>
+              </a:rPr>
+              <a:t>Training</a:t>
+            </a:r>
+            <a:br>
+              <a:rPr lang="en-US" altLang="ja-JP" sz="1600" b="1" dirty="0">
+                <a:solidFill>
+                  <a:sysClr val="windowText" lastClr="000000"/>
+                </a:solidFill>
+                <a:latin typeface="Arial" panose="020B0604020202020204" pitchFamily="34" charset="0"/>
+                <a:cs typeface="Arial" panose="020B0604020202020204" pitchFamily="34" charset="0"/>
+              </a:rPr>
+            </a:br>
+            <a:r>
+              <a:rPr lang="en-US" altLang="ja-JP" sz="1600" b="1" dirty="0">
+                <a:solidFill>
+                  <a:sysClr val="windowText" lastClr="000000"/>
+                </a:solidFill>
+                <a:latin typeface="Arial" panose="020B0604020202020204" pitchFamily="34" charset="0"/>
+                <a:cs typeface="Arial" panose="020B0604020202020204" pitchFamily="34" charset="0"/>
+              </a:rPr>
+              <a:t>Pix2Pix</a:t>
+            </a:r>
+            <a:endParaRPr kumimoji="1" lang="ja-JP" altLang="en-US" sz="1600" b="1">
+              <a:solidFill>
+                <a:sysClr val="windowText" lastClr="000000"/>
+              </a:solidFill>
+              <a:latin typeface="Arial" panose="020B0604020202020204" pitchFamily="34" charset="0"/>
+              <a:cs typeface="Arial" panose="020B0604020202020204" pitchFamily="34" charset="0"/>
+            </a:endParaRPr>
+          </a:p>
+        </p:txBody>
+      </p:sp>
+      <p:cxnSp>
+        <p:nvCxnSpPr>
+          <p:cNvPr id="59" name="直線矢印コネクタ 58">
+            <a:extLst>
+              <a:ext uri="{FF2B5EF4-FFF2-40B4-BE49-F238E27FC236}">
+                <a16:creationId xmlns:a16="http://schemas.microsoft.com/office/drawing/2014/main" id="{2A3049C0-1284-C59F-EA47-20635A219258}"/>
+              </a:ext>
+            </a:extLst>
+          </p:cNvPr>
+          <p:cNvCxnSpPr>
+            <a:cxnSpLocks/>
+          </p:cNvCxnSpPr>
           <p:nvPr/>
-        </p:nvSpPr>
+        </p:nvCxnSpPr>
         <p:spPr>
           <a:xfrm>
-            <a:off x="11255751" y="4151755"/>
-            <a:ext cx="975469" cy="584775"/>
+            <a:off x="6215554" y="3999718"/>
+            <a:ext cx="357620" cy="0"/>
+          </a:xfrm>
+          <a:prstGeom prst="straightConnector1">
+            <a:avLst/>
+          </a:prstGeom>
+          <a:ln w="38100">
+            <a:solidFill>
+              <a:srgbClr val="00B0F0"/>
+            </a:solidFill>
+            <a:tailEnd type="triangle"/>
+          </a:ln>
+        </p:spPr>
+        <p:style>
+          <a:lnRef idx="1">
+            <a:schemeClr val="accent1"/>
+          </a:lnRef>
+          <a:fillRef idx="0">
+            <a:schemeClr val="accent1"/>
+          </a:fillRef>
+          <a:effectRef idx="0">
+            <a:schemeClr val="accent1"/>
+          </a:effectRef>
+          <a:fontRef idx="minor">
+            <a:schemeClr val="tx1"/>
+          </a:fontRef>
+        </p:style>
+      </p:cxnSp>
+      <p:sp>
+        <p:nvSpPr>
+          <p:cNvPr id="62" name="正方形/長方形 61">
+            <a:extLst>
+              <a:ext uri="{FF2B5EF4-FFF2-40B4-BE49-F238E27FC236}">
+                <a16:creationId xmlns:a16="http://schemas.microsoft.com/office/drawing/2014/main" id="{1A7CBC00-2032-D0AB-A784-E28682326C9B}"/>
+              </a:ext>
+            </a:extLst>
+          </p:cNvPr>
+          <p:cNvSpPr/>
+          <p:nvPr/>
+        </p:nvSpPr>
+        <p:spPr>
+          <a:xfrm>
+            <a:off x="6605763" y="3514088"/>
+            <a:ext cx="1525321" cy="927144"/>
           </a:xfrm>
           <a:prstGeom prst="rect">
             <a:avLst/>
           </a:prstGeom>
           <a:noFill/>
+          <a:ln w="38100">
+            <a:solidFill>
+              <a:srgbClr val="00B0F0"/>
+            </a:solidFill>
+          </a:ln>
+        </p:spPr>
+        <p:style>
+          <a:lnRef idx="2">
+            <a:schemeClr val="accent1">
+              <a:shade val="50000"/>
+            </a:schemeClr>
+          </a:lnRef>
+          <a:fillRef idx="1">
+            <a:schemeClr val="accent1"/>
+          </a:fillRef>
+          <a:effectRef idx="0">
+            <a:schemeClr val="accent1"/>
+          </a:effectRef>
+          <a:fontRef idx="minor">
+            <a:schemeClr val="lt1"/>
+          </a:fontRef>
+        </p:style>
+        <p:txBody>
+          <a:bodyPr rtlCol="0" anchor="ctr"/>
+          <a:lstStyle/>
+          <a:p>
+            <a:pPr algn="ctr"/>
+            <a:r>
+              <a:rPr lang="en-US" altLang="ja-JP" sz="1600" b="1" dirty="0">
+                <a:solidFill>
+                  <a:sysClr val="windowText" lastClr="000000"/>
+                </a:solidFill>
+                <a:latin typeface="Arial" panose="020B0604020202020204" pitchFamily="34" charset="0"/>
+                <a:cs typeface="Arial" panose="020B0604020202020204" pitchFamily="34" charset="0"/>
+              </a:rPr>
+              <a:t>Generating DTM </a:t>
+            </a:r>
+            <a:br>
+              <a:rPr lang="en-US" altLang="ja-JP" sz="1600" b="1" dirty="0">
+                <a:solidFill>
+                  <a:sysClr val="windowText" lastClr="000000"/>
+                </a:solidFill>
+                <a:latin typeface="Arial" panose="020B0604020202020204" pitchFamily="34" charset="0"/>
+                <a:cs typeface="Arial" panose="020B0604020202020204" pitchFamily="34" charset="0"/>
+              </a:rPr>
+            </a:br>
+            <a:r>
+              <a:rPr lang="en-US" altLang="ja-JP" sz="1600" b="1" dirty="0">
+                <a:solidFill>
+                  <a:sysClr val="windowText" lastClr="000000"/>
+                </a:solidFill>
+                <a:latin typeface="Arial" panose="020B0604020202020204" pitchFamily="34" charset="0"/>
+                <a:cs typeface="Arial" panose="020B0604020202020204" pitchFamily="34" charset="0"/>
+              </a:rPr>
+              <a:t>using Pix2Pix</a:t>
+            </a:r>
+            <a:endParaRPr kumimoji="1" lang="ja-JP" altLang="en-US" sz="1600" b="1">
+              <a:solidFill>
+                <a:sysClr val="windowText" lastClr="000000"/>
+              </a:solidFill>
+              <a:latin typeface="Arial" panose="020B0604020202020204" pitchFamily="34" charset="0"/>
+              <a:cs typeface="Arial" panose="020B0604020202020204" pitchFamily="34" charset="0"/>
+            </a:endParaRPr>
+          </a:p>
+        </p:txBody>
+      </p:sp>
+      <p:sp>
+        <p:nvSpPr>
+          <p:cNvPr id="63" name="正方形/長方形 62">
+            <a:extLst>
+              <a:ext uri="{FF2B5EF4-FFF2-40B4-BE49-F238E27FC236}">
+                <a16:creationId xmlns:a16="http://schemas.microsoft.com/office/drawing/2014/main" id="{C7E08C96-F687-5493-966C-CF34DB51A2E1}"/>
+              </a:ext>
+            </a:extLst>
+          </p:cNvPr>
+          <p:cNvSpPr/>
+          <p:nvPr/>
+        </p:nvSpPr>
+        <p:spPr>
+          <a:xfrm>
+            <a:off x="8442766" y="3515442"/>
+            <a:ext cx="1525321" cy="927144"/>
+          </a:xfrm>
+          <a:prstGeom prst="rect">
+            <a:avLst/>
+          </a:prstGeom>
+          <a:noFill/>
+          <a:ln w="38100">
+            <a:solidFill>
+              <a:srgbClr val="00B0F0"/>
+            </a:solidFill>
+          </a:ln>
+        </p:spPr>
+        <p:style>
+          <a:lnRef idx="2">
+            <a:schemeClr val="accent1">
+              <a:shade val="50000"/>
+            </a:schemeClr>
+          </a:lnRef>
+          <a:fillRef idx="1">
+            <a:schemeClr val="accent1"/>
+          </a:fillRef>
+          <a:effectRef idx="0">
+            <a:schemeClr val="accent1"/>
+          </a:effectRef>
+          <a:fontRef idx="minor">
+            <a:schemeClr val="lt1"/>
+          </a:fontRef>
+        </p:style>
+        <p:txBody>
+          <a:bodyPr rtlCol="0" anchor="ctr"/>
+          <a:lstStyle/>
+          <a:p>
+            <a:pPr algn="ctr"/>
+            <a:r>
+              <a:rPr kumimoji="1" lang="en-US" altLang="ja-JP" sz="1600" b="1" dirty="0">
+                <a:solidFill>
+                  <a:sysClr val="windowText" lastClr="000000"/>
+                </a:solidFill>
+                <a:latin typeface="Arial" panose="020B0604020202020204" pitchFamily="34" charset="0"/>
+                <a:cs typeface="Arial" panose="020B0604020202020204" pitchFamily="34" charset="0"/>
+              </a:rPr>
+              <a:t>Apply </a:t>
+            </a:r>
+          </a:p>
+          <a:p>
+            <a:pPr algn="ctr"/>
+            <a:r>
+              <a:rPr lang="en-US" altLang="ja-JP" sz="1600" b="1" dirty="0">
+                <a:solidFill>
+                  <a:sysClr val="windowText" lastClr="000000"/>
+                </a:solidFill>
+                <a:latin typeface="Arial" panose="020B0604020202020204" pitchFamily="34" charset="0"/>
+                <a:cs typeface="Arial" panose="020B0604020202020204" pitchFamily="34" charset="0"/>
+              </a:rPr>
+              <a:t>SFS</a:t>
+            </a:r>
+            <a:endParaRPr kumimoji="1" lang="ja-JP" altLang="en-US" sz="1600" b="1">
+              <a:solidFill>
+                <a:sysClr val="windowText" lastClr="000000"/>
+              </a:solidFill>
+              <a:latin typeface="Arial" panose="020B0604020202020204" pitchFamily="34" charset="0"/>
+              <a:cs typeface="Arial" panose="020B0604020202020204" pitchFamily="34" charset="0"/>
+            </a:endParaRPr>
+          </a:p>
+        </p:txBody>
+      </p:sp>
+      <p:cxnSp>
+        <p:nvCxnSpPr>
+          <p:cNvPr id="64" name="直線矢印コネクタ 63">
+            <a:extLst>
+              <a:ext uri="{FF2B5EF4-FFF2-40B4-BE49-F238E27FC236}">
+                <a16:creationId xmlns:a16="http://schemas.microsoft.com/office/drawing/2014/main" id="{BDDD0DB3-C16E-FAAB-81B8-441176A6A7F3}"/>
+              </a:ext>
+            </a:extLst>
+          </p:cNvPr>
+          <p:cNvCxnSpPr>
+            <a:cxnSpLocks/>
+            <a:stCxn id="62" idx="3"/>
+            <a:endCxn id="63" idx="1"/>
+          </p:cNvCxnSpPr>
+          <p:nvPr/>
+        </p:nvCxnSpPr>
+        <p:spPr>
+          <a:xfrm>
+            <a:off x="8131084" y="3977660"/>
+            <a:ext cx="311682" cy="1354"/>
+          </a:xfrm>
+          <a:prstGeom prst="straightConnector1">
+            <a:avLst/>
+          </a:prstGeom>
+          <a:ln w="38100">
+            <a:solidFill>
+              <a:srgbClr val="00B0F0"/>
+            </a:solidFill>
+            <a:tailEnd type="triangle"/>
+          </a:ln>
+        </p:spPr>
+        <p:style>
+          <a:lnRef idx="1">
+            <a:schemeClr val="accent1"/>
+          </a:lnRef>
+          <a:fillRef idx="0">
+            <a:schemeClr val="accent1"/>
+          </a:fillRef>
+          <a:effectRef idx="0">
+            <a:schemeClr val="accent1"/>
+          </a:effectRef>
+          <a:fontRef idx="minor">
+            <a:schemeClr val="tx1"/>
+          </a:fontRef>
+        </p:style>
+      </p:cxnSp>
+      <p:cxnSp>
+        <p:nvCxnSpPr>
+          <p:cNvPr id="67" name="直線矢印コネクタ 66">
+            <a:extLst>
+              <a:ext uri="{FF2B5EF4-FFF2-40B4-BE49-F238E27FC236}">
+                <a16:creationId xmlns:a16="http://schemas.microsoft.com/office/drawing/2014/main" id="{AF20B156-AC01-13B5-7CD4-AA36C5703859}"/>
+              </a:ext>
+            </a:extLst>
+          </p:cNvPr>
+          <p:cNvCxnSpPr>
+            <a:cxnSpLocks/>
+          </p:cNvCxnSpPr>
+          <p:nvPr/>
+        </p:nvCxnSpPr>
+        <p:spPr>
+          <a:xfrm>
+            <a:off x="10013087" y="3977660"/>
+            <a:ext cx="311682" cy="1354"/>
+          </a:xfrm>
+          <a:prstGeom prst="straightConnector1">
+            <a:avLst/>
+          </a:prstGeom>
+          <a:ln w="38100">
+            <a:solidFill>
+              <a:srgbClr val="00B0F0"/>
+            </a:solidFill>
+            <a:tailEnd type="triangle"/>
+          </a:ln>
+        </p:spPr>
+        <p:style>
+          <a:lnRef idx="1">
+            <a:schemeClr val="accent1"/>
+          </a:lnRef>
+          <a:fillRef idx="0">
+            <a:schemeClr val="accent1"/>
+          </a:fillRef>
+          <a:effectRef idx="0">
+            <a:schemeClr val="accent1"/>
+          </a:effectRef>
+          <a:fontRef idx="minor">
+            <a:schemeClr val="tx1"/>
+          </a:fontRef>
+        </p:style>
+      </p:cxnSp>
+      <p:sp>
+        <p:nvSpPr>
+          <p:cNvPr id="69" name="テキスト ボックス 68">
+            <a:extLst>
+              <a:ext uri="{FF2B5EF4-FFF2-40B4-BE49-F238E27FC236}">
+                <a16:creationId xmlns:a16="http://schemas.microsoft.com/office/drawing/2014/main" id="{055D9EB8-220E-01AF-FB53-6B355DBD2230}"/>
+              </a:ext>
+            </a:extLst>
+          </p:cNvPr>
+          <p:cNvSpPr txBox="1"/>
+          <p:nvPr/>
+        </p:nvSpPr>
+        <p:spPr>
+          <a:xfrm>
+            <a:off x="10229878" y="3795193"/>
+            <a:ext cx="1525321" cy="338554"/>
+          </a:xfrm>
+          <a:prstGeom prst="rect">
+            <a:avLst/>
+          </a:prstGeom>
+          <a:noFill/>
         </p:spPr>
         <p:txBody>
           <a:bodyPr wrap="square" rtlCol="0">
@@ -5424,37 +7129,64 @@
           </a:bodyPr>
           <a:lstStyle/>
           <a:p>
+            <a:pPr algn="ctr"/>
+            <a:r>
+              <a:rPr kumimoji="1" lang="en-US" altLang="ja-JP" sz="1600" b="1" u="sng" dirty="0">
+                <a:latin typeface="Arial" panose="020B0604020202020204" pitchFamily="34" charset="0"/>
+                <a:cs typeface="Arial" panose="020B0604020202020204" pitchFamily="34" charset="0"/>
+              </a:rPr>
+              <a:t>Derived DTM</a:t>
+            </a:r>
+            <a:endParaRPr kumimoji="1" lang="ja-JP" altLang="en-US" sz="1600" b="1" u="sng">
+              <a:latin typeface="Arial" panose="020B0604020202020204" pitchFamily="34" charset="0"/>
+              <a:cs typeface="Arial" panose="020B0604020202020204" pitchFamily="34" charset="0"/>
+            </a:endParaRPr>
+          </a:p>
+        </p:txBody>
+      </p:sp>
+      <p:sp>
+        <p:nvSpPr>
+          <p:cNvPr id="70" name="テキスト ボックス 69">
+            <a:extLst>
+              <a:ext uri="{FF2B5EF4-FFF2-40B4-BE49-F238E27FC236}">
+                <a16:creationId xmlns:a16="http://schemas.microsoft.com/office/drawing/2014/main" id="{6E771FD4-800A-6925-3920-AB8F3409DC1D}"/>
+              </a:ext>
+            </a:extLst>
+          </p:cNvPr>
+          <p:cNvSpPr txBox="1"/>
+          <p:nvPr/>
+        </p:nvSpPr>
+        <p:spPr>
+          <a:xfrm>
+            <a:off x="3723233" y="12431565"/>
+            <a:ext cx="3260977" cy="338554"/>
+          </a:xfrm>
+          <a:prstGeom prst="rect">
+            <a:avLst/>
+          </a:prstGeom>
+          <a:noFill/>
+        </p:spPr>
+        <p:txBody>
+          <a:bodyPr wrap="square" rtlCol="0">
+            <a:spAutoFit/>
+          </a:bodyPr>
+          <a:lstStyle/>
+          <a:p>
+            <a:pPr algn="just"/>
             <a:r>
               <a:rPr kumimoji="1" lang="en-US" altLang="ja-JP" sz="1600" b="1" dirty="0">
                 <a:latin typeface="Arial" panose="020B0604020202020204" pitchFamily="34" charset="0"/>
                 <a:cs typeface="Arial" panose="020B0604020202020204" pitchFamily="34" charset="0"/>
               </a:rPr>
-              <a:t>Derived </a:t>
-            </a:r>
-            <a:br>
-              <a:rPr kumimoji="1" lang="en-US" altLang="ja-JP" sz="1600" b="1" dirty="0">
-                <a:latin typeface="Arial" panose="020B0604020202020204" pitchFamily="34" charset="0"/>
-                <a:cs typeface="Arial" panose="020B0604020202020204" pitchFamily="34" charset="0"/>
-              </a:rPr>
-            </a:br>
-            <a:r>
-              <a:rPr kumimoji="1" lang="en-US" altLang="ja-JP" sz="1600" b="1" dirty="0">
-                <a:latin typeface="Arial" panose="020B0604020202020204" pitchFamily="34" charset="0"/>
-                <a:cs typeface="Arial" panose="020B0604020202020204" pitchFamily="34" charset="0"/>
-              </a:rPr>
-              <a:t>DTM</a:t>
-            </a:r>
-            <a:endParaRPr kumimoji="1" lang="ja-JP" altLang="en-US" sz="1600" b="1">
-              <a:latin typeface="Arial" panose="020B0604020202020204" pitchFamily="34" charset="0"/>
-              <a:cs typeface="Arial" panose="020B0604020202020204" pitchFamily="34" charset="0"/>
-            </a:endParaRPr>
+              <a:t>Figure 1. DTM processing flow</a:t>
+            </a:r>
           </a:p>
         </p:txBody>
       </p:sp>
     </p:spTree>
     <p:extLst>
       <p:ext uri="{BB962C8B-B14F-4D97-AF65-F5344CB8AC3E}">
-        <p14:creationId xmlns:p14="http://schemas.microsoft.com/office/powerpoint/2010/main" val="4002169174"/>
+        <p14:creationId xmlns:p14="http://schemas.microsoft.com/office/powerpoint/2010/main" val="4197096693"/>
       </p:ext>
     </p:extLst>
   </p:cSld>
